--- a/Bloque 3 - Creación de primera App/Taller12 - Gestión de Assets.pptx
+++ b/Bloque 3 - Creación de primera App/Taller12 - Gestión de Assets.pptx
@@ -6,11 +6,20 @@
     <p:sldMasterId id="2147483793" r:id="rId2"/>
   </p:sldMasterIdLst>
   <p:notesMasterIdLst>
-    <p:notesMasterId r:id="rId5"/>
+    <p:notesMasterId r:id="rId14"/>
   </p:notesMasterIdLst>
   <p:sldIdLst>
     <p:sldId id="291" r:id="rId3"/>
-    <p:sldId id="282" r:id="rId4"/>
+    <p:sldId id="2147469518" r:id="rId4"/>
+    <p:sldId id="2147469523" r:id="rId5"/>
+    <p:sldId id="2147469526" r:id="rId6"/>
+    <p:sldId id="2147469524" r:id="rId7"/>
+    <p:sldId id="2147469525" r:id="rId8"/>
+    <p:sldId id="2147469527" r:id="rId9"/>
+    <p:sldId id="2147469528" r:id="rId10"/>
+    <p:sldId id="2147469529" r:id="rId11"/>
+    <p:sldId id="2147469530" r:id="rId12"/>
+    <p:sldId id="282" r:id="rId13"/>
   </p:sldIdLst>
   <p:sldSz cx="12192000" cy="6858000"/>
   <p:notesSz cx="6858000" cy="9144000"/>
@@ -3449,7 +3458,7 @@
           <a:p>
             <a:fld id="{A334C884-B1D7-A043-A4AA-521744755A4B}" type="datetimeFigureOut">
               <a:rPr lang="en-US" smtClean="0"/>
-              <a:t>4/2/2022</a:t>
+              <a:t>5/15/2022</a:t>
             </a:fld>
             <a:endParaRPr lang="en-US"/>
           </a:p>
@@ -3835,7 +3844,7 @@
           <a:p>
             <a:fld id="{E74353ED-ACB2-44BF-A903-985B0AF962B7}" type="datetime1">
               <a:rPr lang="en-US" smtClean="0"/>
-              <a:t>4/2/2022</a:t>
+              <a:t>5/15/2022</a:t>
             </a:fld>
             <a:endParaRPr lang="en-US" dirty="0"/>
           </a:p>
@@ -3859,7 +3868,7 @@
             <a:fld id="{B4008EB6-D09E-4580-8CD6-DDB14511944F}" type="slidenum">
               <a:rPr lang="en-US" smtClean="0"/>
               <a:pPr/>
-              <a:t>2</a:t>
+              <a:t>11</a:t>
             </a:fld>
             <a:endParaRPr lang="en-US" dirty="0"/>
           </a:p>
@@ -6557,7 +6566,7 @@
           <a:p>
             <a:fld id="{0A627400-D089-7447-864B-77479EBD4214}" type="datetimeFigureOut">
               <a:rPr lang="en-US" smtClean="0"/>
-              <a:t>4/2/2022</a:t>
+              <a:t>5/15/2022</a:t>
             </a:fld>
             <a:endParaRPr lang="en-US"/>
           </a:p>
@@ -6755,7 +6764,7 @@
           <a:p>
             <a:fld id="{0A627400-D089-7447-864B-77479EBD4214}" type="datetimeFigureOut">
               <a:rPr lang="en-US" smtClean="0"/>
-              <a:t>4/2/2022</a:t>
+              <a:t>5/15/2022</a:t>
             </a:fld>
             <a:endParaRPr lang="en-US"/>
           </a:p>
@@ -7030,7 +7039,7 @@
           <a:p>
             <a:fld id="{0A627400-D089-7447-864B-77479EBD4214}" type="datetimeFigureOut">
               <a:rPr lang="en-US" smtClean="0"/>
-              <a:t>4/2/2022</a:t>
+              <a:t>5/15/2022</a:t>
             </a:fld>
             <a:endParaRPr lang="en-US"/>
           </a:p>
@@ -7295,7 +7304,7 @@
           <a:p>
             <a:fld id="{0A627400-D089-7447-864B-77479EBD4214}" type="datetimeFigureOut">
               <a:rPr lang="en-US" smtClean="0"/>
-              <a:t>4/2/2022</a:t>
+              <a:t>5/15/2022</a:t>
             </a:fld>
             <a:endParaRPr lang="en-US"/>
           </a:p>
@@ -7907,7 +7916,7 @@
           <a:p>
             <a:fld id="{0A627400-D089-7447-864B-77479EBD4214}" type="datetimeFigureOut">
               <a:rPr lang="en-US" smtClean="0"/>
-              <a:t>4/2/2022</a:t>
+              <a:t>5/15/2022</a:t>
             </a:fld>
             <a:endParaRPr lang="en-US"/>
           </a:p>
@@ -8113,7 +8122,7 @@
           <a:p>
             <a:fld id="{0A627400-D089-7447-864B-77479EBD4214}" type="datetimeFigureOut">
               <a:rPr lang="en-US" smtClean="0"/>
-              <a:t>4/2/2022</a:t>
+              <a:t>5/15/2022</a:t>
             </a:fld>
             <a:endParaRPr lang="en-US"/>
           </a:p>
@@ -8255,7 +8264,7 @@
             <a:fld id="{0A627400-D089-7447-864B-77479EBD4214}" type="datetimeFigureOut">
               <a:rPr lang="en-US" smtClean="0"/>
               <a:pPr/>
-              <a:t>4/2/2022</a:t>
+              <a:t>5/15/2022</a:t>
             </a:fld>
             <a:endParaRPr lang="en-US"/>
           </a:p>
@@ -8419,7 +8428,7 @@
           <a:p>
             <a:fld id="{0A627400-D089-7447-864B-77479EBD4214}" type="datetimeFigureOut">
               <a:rPr lang="en-US" smtClean="0"/>
-              <a:t>4/2/2022</a:t>
+              <a:t>5/15/2022</a:t>
             </a:fld>
             <a:endParaRPr lang="en-US"/>
           </a:p>
@@ -8532,7 +8541,7 @@
           <a:p>
             <a:fld id="{0A627400-D089-7447-864B-77479EBD4214}" type="datetimeFigureOut">
               <a:rPr lang="en-US" smtClean="0"/>
-              <a:t>4/2/2022</a:t>
+              <a:t>5/15/2022</a:t>
             </a:fld>
             <a:endParaRPr lang="en-US"/>
           </a:p>
@@ -8843,7 +8852,7 @@
           <a:p>
             <a:fld id="{0A627400-D089-7447-864B-77479EBD4214}" type="datetimeFigureOut">
               <a:rPr lang="en-US" smtClean="0"/>
-              <a:t>4/2/2022</a:t>
+              <a:t>5/15/2022</a:t>
             </a:fld>
             <a:endParaRPr lang="en-US"/>
           </a:p>
@@ -9131,7 +9140,7 @@
           <a:p>
             <a:fld id="{0A627400-D089-7447-864B-77479EBD4214}" type="datetimeFigureOut">
               <a:rPr lang="en-US" smtClean="0"/>
-              <a:t>4/2/2022</a:t>
+              <a:t>5/15/2022</a:t>
             </a:fld>
             <a:endParaRPr lang="en-US"/>
           </a:p>
@@ -11383,7 +11392,7 @@
             <a:fld id="{0A627400-D089-7447-864B-77479EBD4214}" type="datetimeFigureOut">
               <a:rPr lang="en-US" smtClean="0"/>
               <a:pPr/>
-              <a:t>4/2/2022</a:t>
+              <a:t>5/15/2022</a:t>
             </a:fld>
             <a:endParaRPr lang="en-US"/>
           </a:p>
@@ -12115,7 +12124,739 @@
 </p:sld>
 </file>
 
-<file path=ppt/slides/slide2.xml><?xml version="1.0" encoding="utf-8"?>
+<file path=ppt/slides/slide10.xml><?xml version="1.0" encoding="utf-8"?>
+<p:sld xmlns:a="http://schemas.openxmlformats.org/drawingml/2006/main" xmlns:r="http://schemas.openxmlformats.org/officeDocument/2006/relationships" xmlns:p="http://schemas.openxmlformats.org/presentationml/2006/main">
+  <p:cSld>
+    <p:spTree>
+      <p:nvGrpSpPr>
+        <p:cNvPr id="1" name=""/>
+        <p:cNvGrpSpPr/>
+        <p:nvPr/>
+      </p:nvGrpSpPr>
+      <p:grpSpPr>
+        <a:xfrm>
+          <a:off x="0" y="0"/>
+          <a:ext cx="0" cy="0"/>
+          <a:chOff x="0" y="0"/>
+          <a:chExt cx="0" cy="0"/>
+        </a:xfrm>
+      </p:grpSpPr>
+      <p:sp>
+        <p:nvSpPr>
+          <p:cNvPr id="5" name="Title 1">
+            <a:extLst>
+              <a:ext uri="{FF2B5EF4-FFF2-40B4-BE49-F238E27FC236}">
+                <a16:creationId xmlns:a16="http://schemas.microsoft.com/office/drawing/2014/main" id="{01388D49-B47C-45BB-B53B-F6092580BE6E}"/>
+              </a:ext>
+            </a:extLst>
+          </p:cNvPr>
+          <p:cNvSpPr>
+            <a:spLocks noGrp="1"/>
+          </p:cNvSpPr>
+          <p:nvPr>
+            <p:ph type="title"/>
+          </p:nvPr>
+        </p:nvSpPr>
+        <p:spPr>
+          <a:xfrm>
+            <a:off x="457200" y="1123122"/>
+            <a:ext cx="7706412" cy="591378"/>
+          </a:xfrm>
+        </p:spPr>
+        <p:txBody>
+          <a:bodyPr>
+            <a:noAutofit/>
+          </a:bodyPr>
+          <a:lstStyle/>
+          <a:p>
+            <a:r>
+              <a:rPr lang="es-ES" sz="3200" dirty="0">
+                <a:latin typeface="Segoe UI Semibold"/>
+                <a:cs typeface="Segoe UI Semibold"/>
+              </a:rPr>
+              <a:t>CSS</a:t>
+            </a:r>
+            <a:endParaRPr lang="en-US" sz="3200" dirty="0"/>
+          </a:p>
+        </p:txBody>
+      </p:sp>
+      <p:sp>
+        <p:nvSpPr>
+          <p:cNvPr id="6" name="Content Placeholder 2">
+            <a:extLst>
+              <a:ext uri="{FF2B5EF4-FFF2-40B4-BE49-F238E27FC236}">
+                <a16:creationId xmlns:a16="http://schemas.microsoft.com/office/drawing/2014/main" id="{AC81F8B9-8203-4DB3-932F-AB15DF79780D}"/>
+              </a:ext>
+            </a:extLst>
+          </p:cNvPr>
+          <p:cNvSpPr txBox="1">
+            <a:spLocks/>
+          </p:cNvSpPr>
+          <p:nvPr/>
+        </p:nvSpPr>
+        <p:spPr>
+          <a:xfrm>
+            <a:off x="457200" y="2142641"/>
+            <a:ext cx="11222610" cy="3000860"/>
+          </a:xfrm>
+          <a:prstGeom prst="rect">
+            <a:avLst/>
+          </a:prstGeom>
+        </p:spPr>
+        <p:txBody>
+          <a:bodyPr vert="horz" lIns="91440" tIns="45720" rIns="91440" bIns="45720" rtlCol="0" anchor="t">
+            <a:noAutofit/>
+          </a:bodyPr>
+          <a:lstStyle>
+            <a:lvl1pPr marL="336145" marR="0" indent="-336145" algn="l" defTabSz="914367" rtl="0" eaLnBrk="1" fontAlgn="auto" latinLnBrk="0" hangingPunct="1">
+              <a:lnSpc>
+                <a:spcPct val="90000"/>
+              </a:lnSpc>
+              <a:spcBef>
+                <a:spcPct val="20000"/>
+              </a:spcBef>
+              <a:spcAft>
+                <a:spcPts val="0"/>
+              </a:spcAft>
+              <a:buClrTx/>
+              <a:buSzPct val="90000"/>
+              <a:buFont typeface="Arial" pitchFamily="34" charset="0"/>
+              <a:buChar char="•"/>
+              <a:tabLst/>
+              <a:defRPr sz="3921" kern="1200" spc="0" baseline="0">
+                <a:gradFill>
+                  <a:gsLst>
+                    <a:gs pos="1250">
+                      <a:schemeClr val="tx1"/>
+                    </a:gs>
+                    <a:gs pos="100000">
+                      <a:schemeClr val="tx1"/>
+                    </a:gs>
+                  </a:gsLst>
+                  <a:lin ang="5400000" scaled="0"/>
+                </a:gradFill>
+                <a:latin typeface="+mj-lt"/>
+                <a:ea typeface="+mn-ea"/>
+                <a:cs typeface="+mn-cs"/>
+              </a:defRPr>
+            </a:lvl1pPr>
+            <a:lvl2pPr marL="572691" marR="0" indent="-236546" algn="l" defTabSz="914367" rtl="0" eaLnBrk="1" fontAlgn="auto" latinLnBrk="0" hangingPunct="1">
+              <a:lnSpc>
+                <a:spcPct val="90000"/>
+              </a:lnSpc>
+              <a:spcBef>
+                <a:spcPct val="20000"/>
+              </a:spcBef>
+              <a:spcAft>
+                <a:spcPts val="0"/>
+              </a:spcAft>
+              <a:buClrTx/>
+              <a:buSzPct val="90000"/>
+              <a:buFont typeface="Arial" pitchFamily="34" charset="0"/>
+              <a:buChar char="•"/>
+              <a:tabLst/>
+              <a:defRPr sz="2353" kern="1200" spc="0" baseline="0">
+                <a:gradFill>
+                  <a:gsLst>
+                    <a:gs pos="1250">
+                      <a:schemeClr val="tx1"/>
+                    </a:gs>
+                    <a:gs pos="100000">
+                      <a:schemeClr val="tx1"/>
+                    </a:gs>
+                  </a:gsLst>
+                  <a:lin ang="5400000" scaled="0"/>
+                </a:gradFill>
+                <a:latin typeface="+mn-lt"/>
+                <a:ea typeface="+mn-ea"/>
+                <a:cs typeface="+mn-cs"/>
+              </a:defRPr>
+            </a:lvl2pPr>
+            <a:lvl3pPr marL="784338" marR="0" indent="-224097" algn="l" defTabSz="914367" rtl="0" eaLnBrk="1" fontAlgn="auto" latinLnBrk="0" hangingPunct="1">
+              <a:lnSpc>
+                <a:spcPct val="90000"/>
+              </a:lnSpc>
+              <a:spcBef>
+                <a:spcPct val="20000"/>
+              </a:spcBef>
+              <a:spcAft>
+                <a:spcPts val="0"/>
+              </a:spcAft>
+              <a:buClrTx/>
+              <a:buSzPct val="90000"/>
+              <a:buFont typeface="Arial" pitchFamily="34" charset="0"/>
+              <a:buChar char="•"/>
+              <a:tabLst/>
+              <a:defRPr sz="1961" kern="1200" spc="0" baseline="0">
+                <a:gradFill>
+                  <a:gsLst>
+                    <a:gs pos="1250">
+                      <a:schemeClr val="tx1"/>
+                    </a:gs>
+                    <a:gs pos="100000">
+                      <a:schemeClr val="tx1"/>
+                    </a:gs>
+                  </a:gsLst>
+                  <a:lin ang="5400000" scaled="0"/>
+                </a:gradFill>
+                <a:latin typeface="+mn-lt"/>
+                <a:ea typeface="+mn-ea"/>
+                <a:cs typeface="+mn-cs"/>
+              </a:defRPr>
+            </a:lvl3pPr>
+            <a:lvl4pPr marL="1008435" marR="0" indent="-224097" algn="l" defTabSz="914367" rtl="0" eaLnBrk="1" fontAlgn="auto" latinLnBrk="0" hangingPunct="1">
+              <a:lnSpc>
+                <a:spcPct val="90000"/>
+              </a:lnSpc>
+              <a:spcBef>
+                <a:spcPct val="20000"/>
+              </a:spcBef>
+              <a:spcAft>
+                <a:spcPts val="0"/>
+              </a:spcAft>
+              <a:buClrTx/>
+              <a:buSzPct val="90000"/>
+              <a:buFont typeface="Arial" pitchFamily="34" charset="0"/>
+              <a:buChar char="•"/>
+              <a:tabLst/>
+              <a:defRPr sz="1765" kern="1200" spc="0" baseline="0">
+                <a:gradFill>
+                  <a:gsLst>
+                    <a:gs pos="1250">
+                      <a:schemeClr val="tx1"/>
+                    </a:gs>
+                    <a:gs pos="100000">
+                      <a:schemeClr val="tx1"/>
+                    </a:gs>
+                  </a:gsLst>
+                  <a:lin ang="5400000" scaled="0"/>
+                </a:gradFill>
+                <a:latin typeface="+mn-lt"/>
+                <a:ea typeface="+mn-ea"/>
+                <a:cs typeface="+mn-cs"/>
+              </a:defRPr>
+            </a:lvl4pPr>
+            <a:lvl5pPr marL="1232531" marR="0" indent="-224097" algn="l" defTabSz="914367" rtl="0" eaLnBrk="1" fontAlgn="auto" latinLnBrk="0" hangingPunct="1">
+              <a:lnSpc>
+                <a:spcPct val="90000"/>
+              </a:lnSpc>
+              <a:spcBef>
+                <a:spcPct val="20000"/>
+              </a:spcBef>
+              <a:spcAft>
+                <a:spcPts val="0"/>
+              </a:spcAft>
+              <a:buClrTx/>
+              <a:buSzPct val="90000"/>
+              <a:buFont typeface="Arial" pitchFamily="34" charset="0"/>
+              <a:buChar char="•"/>
+              <a:tabLst/>
+              <a:defRPr sz="1765" kern="1200" spc="0" baseline="0">
+                <a:gradFill>
+                  <a:gsLst>
+                    <a:gs pos="1250">
+                      <a:schemeClr val="tx1"/>
+                    </a:gs>
+                    <a:gs pos="100000">
+                      <a:schemeClr val="tx1"/>
+                    </a:gs>
+                  </a:gsLst>
+                  <a:lin ang="5400000" scaled="0"/>
+                </a:gradFill>
+                <a:latin typeface="+mn-lt"/>
+                <a:ea typeface="+mn-ea"/>
+                <a:cs typeface="+mn-cs"/>
+              </a:defRPr>
+            </a:lvl5pPr>
+            <a:lvl6pPr marL="2514509" indent="-228592" algn="l" defTabSz="914367" rtl="0" eaLnBrk="1" latinLnBrk="0" hangingPunct="1">
+              <a:spcBef>
+                <a:spcPct val="20000"/>
+              </a:spcBef>
+              <a:buFont typeface="Arial" pitchFamily="34" charset="0"/>
+              <a:buChar char="•"/>
+              <a:defRPr sz="1961" kern="1200">
+                <a:solidFill>
+                  <a:schemeClr val="tx1"/>
+                </a:solidFill>
+                <a:latin typeface="+mn-lt"/>
+                <a:ea typeface="+mn-ea"/>
+                <a:cs typeface="+mn-cs"/>
+              </a:defRPr>
+            </a:lvl6pPr>
+            <a:lvl7pPr marL="2971693" indent="-228592" algn="l" defTabSz="914367" rtl="0" eaLnBrk="1" latinLnBrk="0" hangingPunct="1">
+              <a:spcBef>
+                <a:spcPct val="20000"/>
+              </a:spcBef>
+              <a:buFont typeface="Arial" pitchFamily="34" charset="0"/>
+              <a:buChar char="•"/>
+              <a:defRPr sz="1961" kern="1200">
+                <a:solidFill>
+                  <a:schemeClr val="tx1"/>
+                </a:solidFill>
+                <a:latin typeface="+mn-lt"/>
+                <a:ea typeface="+mn-ea"/>
+                <a:cs typeface="+mn-cs"/>
+              </a:defRPr>
+            </a:lvl7pPr>
+            <a:lvl8pPr marL="3428877" indent="-228592" algn="l" defTabSz="914367" rtl="0" eaLnBrk="1" latinLnBrk="0" hangingPunct="1">
+              <a:spcBef>
+                <a:spcPct val="20000"/>
+              </a:spcBef>
+              <a:buFont typeface="Arial" pitchFamily="34" charset="0"/>
+              <a:buChar char="•"/>
+              <a:defRPr sz="1961" kern="1200">
+                <a:solidFill>
+                  <a:schemeClr val="tx1"/>
+                </a:solidFill>
+                <a:latin typeface="+mn-lt"/>
+                <a:ea typeface="+mn-ea"/>
+                <a:cs typeface="+mn-cs"/>
+              </a:defRPr>
+            </a:lvl8pPr>
+            <a:lvl9pPr marL="3886061" indent="-228592" algn="l" defTabSz="914367" rtl="0" eaLnBrk="1" latinLnBrk="0" hangingPunct="1">
+              <a:spcBef>
+                <a:spcPct val="20000"/>
+              </a:spcBef>
+              <a:buFont typeface="Arial" pitchFamily="34" charset="0"/>
+              <a:buChar char="•"/>
+              <a:defRPr sz="1961" kern="1200">
+                <a:solidFill>
+                  <a:schemeClr val="tx1"/>
+                </a:solidFill>
+                <a:latin typeface="+mn-lt"/>
+                <a:ea typeface="+mn-ea"/>
+                <a:cs typeface="+mn-cs"/>
+              </a:defRPr>
+            </a:lvl9pPr>
+          </a:lstStyle>
+          <a:p>
+            <a:pPr marL="0" indent="0" algn="l">
+              <a:buNone/>
+            </a:pPr>
+            <a:r>
+              <a:rPr lang="es-ES" sz="1800" b="0" i="0" dirty="0">
+                <a:solidFill>
+                  <a:srgbClr val="171717"/>
+                </a:solidFill>
+                <a:effectLst/>
+                <a:latin typeface="Segoe UI" panose="020B0502040204020203" pitchFamily="34" charset="0"/>
+              </a:rPr>
+              <a:t>Las aplicaciones .NET MAUI pueden tener un estilo parcial con archivos de hoja de estilos en cascada (CSS). Los archivos CSS se pueden agregar al proyecto de aplicación arrastrándolos a cualquier carpeta del proyecto y estableciendo su acción de compilación </a:t>
+            </a:r>
+            <a:r>
+              <a:rPr lang="es-ES" sz="1800" b="1" i="0" dirty="0" err="1">
+                <a:solidFill>
+                  <a:srgbClr val="171717"/>
+                </a:solidFill>
+                <a:effectLst/>
+                <a:latin typeface="Segoe UI" panose="020B0502040204020203" pitchFamily="34" charset="0"/>
+              </a:rPr>
+              <a:t>MauiCss</a:t>
+            </a:r>
+            <a:r>
+              <a:rPr lang="es-ES" sz="1800" b="0" i="0" dirty="0">
+                <a:solidFill>
+                  <a:srgbClr val="171717"/>
+                </a:solidFill>
+                <a:effectLst/>
+                <a:latin typeface="Segoe UI" panose="020B0502040204020203" pitchFamily="34" charset="0"/>
+              </a:rPr>
+              <a:t> en </a:t>
+            </a:r>
+            <a:r>
+              <a:rPr lang="es-ES" sz="1800" b="0" i="0" dirty="0" err="1">
+                <a:solidFill>
+                  <a:srgbClr val="171717"/>
+                </a:solidFill>
+                <a:effectLst/>
+                <a:latin typeface="Segoe UI" panose="020B0502040204020203" pitchFamily="34" charset="0"/>
+              </a:rPr>
+              <a:t>en</a:t>
+            </a:r>
+            <a:r>
+              <a:rPr lang="es-ES" sz="1800" b="0" i="0" dirty="0">
+                <a:solidFill>
+                  <a:srgbClr val="171717"/>
+                </a:solidFill>
+                <a:effectLst/>
+                <a:latin typeface="Segoe UI" panose="020B0502040204020203" pitchFamily="34" charset="0"/>
+              </a:rPr>
+              <a:t> la ventana Propiedades.</a:t>
+            </a:r>
+            <a:endParaRPr lang="es-ES" sz="1800" dirty="0">
+              <a:solidFill>
+                <a:srgbClr val="171717"/>
+              </a:solidFill>
+              <a:latin typeface="Segoe UI" panose="020B0502040204020203" pitchFamily="34" charset="0"/>
+            </a:endParaRPr>
+          </a:p>
+          <a:p>
+            <a:pPr marL="0" indent="0" algn="l">
+              <a:buNone/>
+            </a:pPr>
+            <a:endParaRPr lang="es-ES" sz="1800" dirty="0">
+              <a:solidFill>
+                <a:srgbClr val="171717"/>
+              </a:solidFill>
+              <a:latin typeface="Segoe UI" panose="020B0502040204020203" pitchFamily="34" charset="0"/>
+            </a:endParaRPr>
+          </a:p>
+          <a:p>
+            <a:pPr marL="0" indent="0" algn="l">
+              <a:buNone/>
+            </a:pPr>
+            <a:endParaRPr lang="es-ES" sz="1800" dirty="0">
+              <a:solidFill>
+                <a:srgbClr val="171717"/>
+              </a:solidFill>
+              <a:latin typeface="Segoe UI" panose="020B0502040204020203" pitchFamily="34" charset="0"/>
+            </a:endParaRPr>
+          </a:p>
+          <a:p>
+            <a:pPr marL="0" indent="0" algn="l">
+              <a:buNone/>
+            </a:pPr>
+            <a:endParaRPr lang="es-ES" sz="1800" dirty="0">
+              <a:solidFill>
+                <a:srgbClr val="171717"/>
+              </a:solidFill>
+              <a:latin typeface="Segoe UI" panose="020B0502040204020203" pitchFamily="34" charset="0"/>
+            </a:endParaRPr>
+          </a:p>
+          <a:p>
+            <a:pPr marL="0" indent="0" algn="l">
+              <a:buNone/>
+            </a:pPr>
+            <a:endParaRPr lang="es-ES" sz="1800" dirty="0">
+              <a:solidFill>
+                <a:srgbClr val="171717"/>
+              </a:solidFill>
+              <a:latin typeface="Segoe UI" panose="020B0502040204020203" pitchFamily="34" charset="0"/>
+            </a:endParaRPr>
+          </a:p>
+          <a:p>
+            <a:pPr marL="0" indent="0" algn="l">
+              <a:buNone/>
+            </a:pPr>
+            <a:endParaRPr lang="es-ES" sz="1800" dirty="0">
+              <a:solidFill>
+                <a:srgbClr val="171717"/>
+              </a:solidFill>
+              <a:latin typeface="Segoe UI" panose="020B0502040204020203" pitchFamily="34" charset="0"/>
+            </a:endParaRPr>
+          </a:p>
+          <a:p>
+            <a:pPr marL="0" indent="0" algn="l">
+              <a:buNone/>
+            </a:pPr>
+            <a:endParaRPr lang="es-ES" sz="1800" dirty="0">
+              <a:solidFill>
+                <a:srgbClr val="171717"/>
+              </a:solidFill>
+              <a:latin typeface="Segoe UI" panose="020B0502040204020203" pitchFamily="34" charset="0"/>
+            </a:endParaRPr>
+          </a:p>
+          <a:p>
+            <a:pPr marL="0" indent="0" algn="l">
+              <a:buNone/>
+            </a:pPr>
+            <a:r>
+              <a:rPr lang="es-ES" sz="1800" dirty="0">
+                <a:solidFill>
+                  <a:srgbClr val="171717"/>
+                </a:solidFill>
+                <a:latin typeface="Segoe UI" panose="020B0502040204020203" pitchFamily="34" charset="0"/>
+              </a:rPr>
+              <a:t>En tiempo de compilación, los recursos sin procesar se copian en el paquete de la aplicación.</a:t>
+            </a:r>
+          </a:p>
+        </p:txBody>
+      </p:sp>
+      <p:sp>
+        <p:nvSpPr>
+          <p:cNvPr id="8" name="TextBox 7">
+            <a:extLst>
+              <a:ext uri="{FF2B5EF4-FFF2-40B4-BE49-F238E27FC236}">
+                <a16:creationId xmlns:a16="http://schemas.microsoft.com/office/drawing/2014/main" id="{4D745503-44D0-4B7E-9A92-5FCC9661C01A}"/>
+              </a:ext>
+            </a:extLst>
+          </p:cNvPr>
+          <p:cNvSpPr txBox="1"/>
+          <p:nvPr/>
+        </p:nvSpPr>
+        <p:spPr>
+          <a:xfrm>
+            <a:off x="512190" y="3139374"/>
+            <a:ext cx="6537488" cy="1477328"/>
+          </a:xfrm>
+          <a:prstGeom prst="rect">
+            <a:avLst/>
+          </a:prstGeom>
+          <a:noFill/>
+        </p:spPr>
+        <p:txBody>
+          <a:bodyPr wrap="square">
+            <a:spAutoFit/>
+          </a:bodyPr>
+          <a:lstStyle/>
+          <a:p>
+            <a:r>
+              <a:rPr lang="fr-FR" b="0" i="0" dirty="0">
+                <a:solidFill>
+                  <a:srgbClr val="0101FD"/>
+                </a:solidFill>
+                <a:effectLst/>
+                <a:latin typeface="SFMono-Regular"/>
+              </a:rPr>
+              <a:t>&lt;Application </a:t>
+            </a:r>
+            <a:r>
+              <a:rPr lang="fr-FR" b="0" i="0" dirty="0">
+                <a:solidFill>
+                  <a:srgbClr val="0451A5"/>
+                </a:solidFill>
+                <a:effectLst/>
+                <a:latin typeface="SFMono-Regular"/>
+              </a:rPr>
+              <a:t>...</a:t>
+            </a:r>
+            <a:r>
+              <a:rPr lang="fr-FR" b="0" i="0" dirty="0">
+                <a:solidFill>
+                  <a:srgbClr val="0101FD"/>
+                </a:solidFill>
+                <a:effectLst/>
+                <a:latin typeface="SFMono-Regular"/>
+              </a:rPr>
+              <a:t>&gt;</a:t>
+            </a:r>
+            <a:r>
+              <a:rPr lang="fr-FR" b="0" i="0" dirty="0">
+                <a:solidFill>
+                  <a:srgbClr val="171717"/>
+                </a:solidFill>
+                <a:effectLst/>
+                <a:latin typeface="SFMono-Regular"/>
+              </a:rPr>
+              <a:t> </a:t>
+            </a:r>
+          </a:p>
+          <a:p>
+            <a:r>
+              <a:rPr lang="fr-FR" b="0" i="0" dirty="0">
+                <a:solidFill>
+                  <a:srgbClr val="0101FD"/>
+                </a:solidFill>
+                <a:effectLst/>
+                <a:latin typeface="SFMono-Regular"/>
+              </a:rPr>
+              <a:t>&lt;</a:t>
+            </a:r>
+            <a:r>
+              <a:rPr lang="fr-FR" b="0" i="0" dirty="0" err="1">
+                <a:solidFill>
+                  <a:srgbClr val="0101FD"/>
+                </a:solidFill>
+                <a:effectLst/>
+                <a:latin typeface="SFMono-Regular"/>
+              </a:rPr>
+              <a:t>Application.Resources</a:t>
+            </a:r>
+            <a:r>
+              <a:rPr lang="fr-FR" b="0" i="0" dirty="0">
+                <a:solidFill>
+                  <a:srgbClr val="0101FD"/>
+                </a:solidFill>
+                <a:effectLst/>
+                <a:latin typeface="SFMono-Regular"/>
+              </a:rPr>
+              <a:t>&gt;</a:t>
+            </a:r>
+            <a:r>
+              <a:rPr lang="fr-FR" b="0" i="0" dirty="0">
+                <a:solidFill>
+                  <a:srgbClr val="171717"/>
+                </a:solidFill>
+                <a:effectLst/>
+                <a:latin typeface="SFMono-Regular"/>
+              </a:rPr>
+              <a:t> </a:t>
+            </a:r>
+          </a:p>
+          <a:p>
+            <a:r>
+              <a:rPr lang="fr-FR" b="0" i="0" dirty="0">
+                <a:solidFill>
+                  <a:srgbClr val="0101FD"/>
+                </a:solidFill>
+                <a:effectLst/>
+                <a:latin typeface="SFMono-Regular"/>
+              </a:rPr>
+              <a:t>&lt;</a:t>
+            </a:r>
+            <a:r>
+              <a:rPr lang="fr-FR" b="0" i="0" dirty="0" err="1">
+                <a:solidFill>
+                  <a:srgbClr val="0101FD"/>
+                </a:solidFill>
+                <a:effectLst/>
+                <a:latin typeface="SFMono-Regular"/>
+              </a:rPr>
+              <a:t>StyleSheet</a:t>
+            </a:r>
+            <a:r>
+              <a:rPr lang="fr-FR" b="0" i="0" dirty="0">
+                <a:solidFill>
+                  <a:srgbClr val="0101FD"/>
+                </a:solidFill>
+                <a:effectLst/>
+                <a:latin typeface="SFMono-Regular"/>
+              </a:rPr>
+              <a:t> </a:t>
+            </a:r>
+            <a:r>
+              <a:rPr lang="fr-FR" b="0" i="0" dirty="0">
+                <a:solidFill>
+                  <a:srgbClr val="0451A5"/>
+                </a:solidFill>
+                <a:effectLst/>
+                <a:latin typeface="SFMono-Regular"/>
+              </a:rPr>
+              <a:t>Source</a:t>
+            </a:r>
+            <a:r>
+              <a:rPr lang="fr-FR" b="0" i="0" dirty="0">
+                <a:solidFill>
+                  <a:srgbClr val="0101FD"/>
+                </a:solidFill>
+                <a:effectLst/>
+                <a:latin typeface="SFMono-Regular"/>
+              </a:rPr>
+              <a:t>=</a:t>
+            </a:r>
+            <a:r>
+              <a:rPr lang="fr-FR" b="0" i="0" dirty="0">
+                <a:solidFill>
+                  <a:srgbClr val="A31515"/>
+                </a:solidFill>
+                <a:effectLst/>
+                <a:latin typeface="SFMono-Regular"/>
+              </a:rPr>
+              <a:t>"/</a:t>
+            </a:r>
+            <a:r>
+              <a:rPr lang="fr-FR" b="0" i="0" dirty="0" err="1">
+                <a:solidFill>
+                  <a:srgbClr val="A31515"/>
+                </a:solidFill>
+                <a:effectLst/>
+                <a:latin typeface="SFMono-Regular"/>
+              </a:rPr>
+              <a:t>Resources</a:t>
+            </a:r>
+            <a:r>
+              <a:rPr lang="fr-FR" b="0" i="0" dirty="0">
+                <a:solidFill>
+                  <a:srgbClr val="A31515"/>
+                </a:solidFill>
+                <a:effectLst/>
+                <a:latin typeface="SFMono-Regular"/>
+              </a:rPr>
+              <a:t>/styles.css"</a:t>
+            </a:r>
+            <a:r>
+              <a:rPr lang="fr-FR" b="0" i="0" dirty="0">
+                <a:solidFill>
+                  <a:srgbClr val="0101FD"/>
+                </a:solidFill>
+                <a:effectLst/>
+                <a:latin typeface="SFMono-Regular"/>
+              </a:rPr>
+              <a:t> /&gt;</a:t>
+            </a:r>
+            <a:r>
+              <a:rPr lang="fr-FR" b="0" i="0" dirty="0">
+                <a:solidFill>
+                  <a:srgbClr val="171717"/>
+                </a:solidFill>
+                <a:effectLst/>
+                <a:latin typeface="SFMono-Regular"/>
+              </a:rPr>
+              <a:t> </a:t>
+            </a:r>
+            <a:r>
+              <a:rPr lang="fr-FR" b="0" i="0" dirty="0">
+                <a:solidFill>
+                  <a:srgbClr val="0101FD"/>
+                </a:solidFill>
+                <a:effectLst/>
+                <a:latin typeface="SFMono-Regular"/>
+              </a:rPr>
+              <a:t>&lt;/</a:t>
+            </a:r>
+            <a:r>
+              <a:rPr lang="fr-FR" b="0" i="0" dirty="0" err="1">
+                <a:solidFill>
+                  <a:srgbClr val="0101FD"/>
+                </a:solidFill>
+                <a:effectLst/>
+                <a:latin typeface="SFMono-Regular"/>
+              </a:rPr>
+              <a:t>Application.Resources</a:t>
+            </a:r>
+            <a:r>
+              <a:rPr lang="fr-FR" b="0" i="0" dirty="0">
+                <a:solidFill>
+                  <a:srgbClr val="0101FD"/>
+                </a:solidFill>
+                <a:effectLst/>
+                <a:latin typeface="SFMono-Regular"/>
+              </a:rPr>
+              <a:t>&gt;</a:t>
+            </a:r>
+            <a:r>
+              <a:rPr lang="fr-FR" b="0" i="0" dirty="0">
+                <a:solidFill>
+                  <a:srgbClr val="171717"/>
+                </a:solidFill>
+                <a:effectLst/>
+                <a:latin typeface="SFMono-Regular"/>
+              </a:rPr>
+              <a:t> </a:t>
+            </a:r>
+          </a:p>
+          <a:p>
+            <a:r>
+              <a:rPr lang="fr-FR" b="0" i="0" dirty="0">
+                <a:solidFill>
+                  <a:srgbClr val="0101FD"/>
+                </a:solidFill>
+                <a:effectLst/>
+                <a:latin typeface="SFMono-Regular"/>
+              </a:rPr>
+              <a:t>&lt;/Application&gt;</a:t>
+            </a:r>
+            <a:endParaRPr lang="en-US" dirty="0"/>
+          </a:p>
+        </p:txBody>
+      </p:sp>
+    </p:spTree>
+    <p:extLst>
+      <p:ext uri="{BB962C8B-B14F-4D97-AF65-F5344CB8AC3E}">
+        <p14:creationId xmlns:p14="http://schemas.microsoft.com/office/powerpoint/2010/main" val="1389834721"/>
+      </p:ext>
+    </p:extLst>
+  </p:cSld>
+  <p:clrMapOvr>
+    <a:masterClrMapping/>
+  </p:clrMapOvr>
+  <p:transition>
+    <p:fade/>
+  </p:transition>
+</p:sld>
+</file>
+
+<file path=ppt/slides/slide11.xml><?xml version="1.0" encoding="utf-8"?>
 <p:sld xmlns:a="http://schemas.openxmlformats.org/drawingml/2006/main" xmlns:r="http://schemas.openxmlformats.org/officeDocument/2006/relationships" xmlns:p="http://schemas.openxmlformats.org/presentationml/2006/main">
   <p:cSld>
     <p:spTree>
@@ -12551,6 +13292,3891 @@
     <p:extLst>
       <p:ext uri="{BB962C8B-B14F-4D97-AF65-F5344CB8AC3E}">
         <p14:creationId xmlns:p14="http://schemas.microsoft.com/office/powerpoint/2010/main" val="1975960378"/>
+      </p:ext>
+    </p:extLst>
+  </p:cSld>
+  <p:clrMapOvr>
+    <a:masterClrMapping/>
+  </p:clrMapOvr>
+  <p:transition>
+    <p:fade/>
+  </p:transition>
+</p:sld>
+</file>
+
+<file path=ppt/slides/slide2.xml><?xml version="1.0" encoding="utf-8"?>
+<p:sld xmlns:a="http://schemas.openxmlformats.org/drawingml/2006/main" xmlns:r="http://schemas.openxmlformats.org/officeDocument/2006/relationships" xmlns:p="http://schemas.openxmlformats.org/presentationml/2006/main">
+  <p:cSld>
+    <p:spTree>
+      <p:nvGrpSpPr>
+        <p:cNvPr id="1" name=""/>
+        <p:cNvGrpSpPr/>
+        <p:nvPr/>
+      </p:nvGrpSpPr>
+      <p:grpSpPr>
+        <a:xfrm>
+          <a:off x="0" y="0"/>
+          <a:ext cx="0" cy="0"/>
+          <a:chOff x="0" y="0"/>
+          <a:chExt cx="0" cy="0"/>
+        </a:xfrm>
+      </p:grpSpPr>
+      <p:sp>
+        <p:nvSpPr>
+          <p:cNvPr id="3" name="Title 2">
+            <a:extLst>
+              <a:ext uri="{FF2B5EF4-FFF2-40B4-BE49-F238E27FC236}">
+                <a16:creationId xmlns:a16="http://schemas.microsoft.com/office/drawing/2014/main" id="{652E2BA4-9FC0-4828-A940-3704183398DF}"/>
+              </a:ext>
+            </a:extLst>
+          </p:cNvPr>
+          <p:cNvSpPr>
+            <a:spLocks noGrp="1"/>
+          </p:cNvSpPr>
+          <p:nvPr>
+            <p:ph type="title"/>
+          </p:nvPr>
+        </p:nvSpPr>
+        <p:spPr/>
+        <p:txBody>
+          <a:bodyPr/>
+          <a:lstStyle/>
+          <a:p>
+            <a:r>
+              <a:rPr lang="es-ES" sz="7200" dirty="0">
+                <a:solidFill>
+                  <a:schemeClr val="bg1"/>
+                </a:solidFill>
+              </a:rPr>
+              <a:t>Recursos</a:t>
+            </a:r>
+            <a:endParaRPr lang="en-US" sz="7200" dirty="0">
+              <a:solidFill>
+                <a:schemeClr val="bg1"/>
+              </a:solidFill>
+            </a:endParaRPr>
+          </a:p>
+        </p:txBody>
+      </p:sp>
+    </p:spTree>
+    <p:extLst>
+      <p:ext uri="{BB962C8B-B14F-4D97-AF65-F5344CB8AC3E}">
+        <p14:creationId xmlns:p14="http://schemas.microsoft.com/office/powerpoint/2010/main" val="970838278"/>
+      </p:ext>
+    </p:extLst>
+  </p:cSld>
+  <p:clrMapOvr>
+    <a:masterClrMapping/>
+  </p:clrMapOvr>
+  <p:transition spd="med"/>
+</p:sld>
+</file>
+
+<file path=ppt/slides/slide3.xml><?xml version="1.0" encoding="utf-8"?>
+<p:sld xmlns:a="http://schemas.openxmlformats.org/drawingml/2006/main" xmlns:r="http://schemas.openxmlformats.org/officeDocument/2006/relationships" xmlns:p="http://schemas.openxmlformats.org/presentationml/2006/main">
+  <p:cSld>
+    <p:spTree>
+      <p:nvGrpSpPr>
+        <p:cNvPr id="1" name=""/>
+        <p:cNvGrpSpPr/>
+        <p:nvPr/>
+      </p:nvGrpSpPr>
+      <p:grpSpPr>
+        <a:xfrm>
+          <a:off x="0" y="0"/>
+          <a:ext cx="0" cy="0"/>
+          <a:chOff x="0" y="0"/>
+          <a:chExt cx="0" cy="0"/>
+        </a:xfrm>
+      </p:grpSpPr>
+      <p:sp>
+        <p:nvSpPr>
+          <p:cNvPr id="5" name="Title 1">
+            <a:extLst>
+              <a:ext uri="{FF2B5EF4-FFF2-40B4-BE49-F238E27FC236}">
+                <a16:creationId xmlns:a16="http://schemas.microsoft.com/office/drawing/2014/main" id="{01388D49-B47C-45BB-B53B-F6092580BE6E}"/>
+              </a:ext>
+            </a:extLst>
+          </p:cNvPr>
+          <p:cNvSpPr>
+            <a:spLocks noGrp="1"/>
+          </p:cNvSpPr>
+          <p:nvPr>
+            <p:ph type="title"/>
+          </p:nvPr>
+        </p:nvSpPr>
+        <p:spPr>
+          <a:xfrm>
+            <a:off x="457200" y="1123122"/>
+            <a:ext cx="7706412" cy="591378"/>
+          </a:xfrm>
+        </p:spPr>
+        <p:txBody>
+          <a:bodyPr>
+            <a:noAutofit/>
+          </a:bodyPr>
+          <a:lstStyle/>
+          <a:p>
+            <a:r>
+              <a:rPr lang="en-US" sz="3200" dirty="0" err="1">
+                <a:latin typeface="Segoe UI Semibold"/>
+                <a:cs typeface="Segoe UI Semibold"/>
+              </a:rPr>
+              <a:t>Recursos</a:t>
+            </a:r>
+            <a:endParaRPr lang="en-US" sz="3200" dirty="0"/>
+          </a:p>
+        </p:txBody>
+      </p:sp>
+      <p:sp>
+        <p:nvSpPr>
+          <p:cNvPr id="6" name="Content Placeholder 2">
+            <a:extLst>
+              <a:ext uri="{FF2B5EF4-FFF2-40B4-BE49-F238E27FC236}">
+                <a16:creationId xmlns:a16="http://schemas.microsoft.com/office/drawing/2014/main" id="{AC81F8B9-8203-4DB3-932F-AB15DF79780D}"/>
+              </a:ext>
+            </a:extLst>
+          </p:cNvPr>
+          <p:cNvSpPr txBox="1">
+            <a:spLocks/>
+          </p:cNvSpPr>
+          <p:nvPr/>
+        </p:nvSpPr>
+        <p:spPr>
+          <a:xfrm>
+            <a:off x="457200" y="2142642"/>
+            <a:ext cx="11222610" cy="713680"/>
+          </a:xfrm>
+          <a:prstGeom prst="rect">
+            <a:avLst/>
+          </a:prstGeom>
+        </p:spPr>
+        <p:txBody>
+          <a:bodyPr vert="horz" lIns="91440" tIns="45720" rIns="91440" bIns="45720" rtlCol="0" anchor="t">
+            <a:noAutofit/>
+          </a:bodyPr>
+          <a:lstStyle>
+            <a:lvl1pPr marL="336145" marR="0" indent="-336145" algn="l" defTabSz="914367" rtl="0" eaLnBrk="1" fontAlgn="auto" latinLnBrk="0" hangingPunct="1">
+              <a:lnSpc>
+                <a:spcPct val="90000"/>
+              </a:lnSpc>
+              <a:spcBef>
+                <a:spcPct val="20000"/>
+              </a:spcBef>
+              <a:spcAft>
+                <a:spcPts val="0"/>
+              </a:spcAft>
+              <a:buClrTx/>
+              <a:buSzPct val="90000"/>
+              <a:buFont typeface="Arial" pitchFamily="34" charset="0"/>
+              <a:buChar char="•"/>
+              <a:tabLst/>
+              <a:defRPr sz="3921" kern="1200" spc="0" baseline="0">
+                <a:gradFill>
+                  <a:gsLst>
+                    <a:gs pos="1250">
+                      <a:schemeClr val="tx1"/>
+                    </a:gs>
+                    <a:gs pos="100000">
+                      <a:schemeClr val="tx1"/>
+                    </a:gs>
+                  </a:gsLst>
+                  <a:lin ang="5400000" scaled="0"/>
+                </a:gradFill>
+                <a:latin typeface="+mj-lt"/>
+                <a:ea typeface="+mn-ea"/>
+                <a:cs typeface="+mn-cs"/>
+              </a:defRPr>
+            </a:lvl1pPr>
+            <a:lvl2pPr marL="572691" marR="0" indent="-236546" algn="l" defTabSz="914367" rtl="0" eaLnBrk="1" fontAlgn="auto" latinLnBrk="0" hangingPunct="1">
+              <a:lnSpc>
+                <a:spcPct val="90000"/>
+              </a:lnSpc>
+              <a:spcBef>
+                <a:spcPct val="20000"/>
+              </a:spcBef>
+              <a:spcAft>
+                <a:spcPts val="0"/>
+              </a:spcAft>
+              <a:buClrTx/>
+              <a:buSzPct val="90000"/>
+              <a:buFont typeface="Arial" pitchFamily="34" charset="0"/>
+              <a:buChar char="•"/>
+              <a:tabLst/>
+              <a:defRPr sz="2353" kern="1200" spc="0" baseline="0">
+                <a:gradFill>
+                  <a:gsLst>
+                    <a:gs pos="1250">
+                      <a:schemeClr val="tx1"/>
+                    </a:gs>
+                    <a:gs pos="100000">
+                      <a:schemeClr val="tx1"/>
+                    </a:gs>
+                  </a:gsLst>
+                  <a:lin ang="5400000" scaled="0"/>
+                </a:gradFill>
+                <a:latin typeface="+mn-lt"/>
+                <a:ea typeface="+mn-ea"/>
+                <a:cs typeface="+mn-cs"/>
+              </a:defRPr>
+            </a:lvl2pPr>
+            <a:lvl3pPr marL="784338" marR="0" indent="-224097" algn="l" defTabSz="914367" rtl="0" eaLnBrk="1" fontAlgn="auto" latinLnBrk="0" hangingPunct="1">
+              <a:lnSpc>
+                <a:spcPct val="90000"/>
+              </a:lnSpc>
+              <a:spcBef>
+                <a:spcPct val="20000"/>
+              </a:spcBef>
+              <a:spcAft>
+                <a:spcPts val="0"/>
+              </a:spcAft>
+              <a:buClrTx/>
+              <a:buSzPct val="90000"/>
+              <a:buFont typeface="Arial" pitchFamily="34" charset="0"/>
+              <a:buChar char="•"/>
+              <a:tabLst/>
+              <a:defRPr sz="1961" kern="1200" spc="0" baseline="0">
+                <a:gradFill>
+                  <a:gsLst>
+                    <a:gs pos="1250">
+                      <a:schemeClr val="tx1"/>
+                    </a:gs>
+                    <a:gs pos="100000">
+                      <a:schemeClr val="tx1"/>
+                    </a:gs>
+                  </a:gsLst>
+                  <a:lin ang="5400000" scaled="0"/>
+                </a:gradFill>
+                <a:latin typeface="+mn-lt"/>
+                <a:ea typeface="+mn-ea"/>
+                <a:cs typeface="+mn-cs"/>
+              </a:defRPr>
+            </a:lvl3pPr>
+            <a:lvl4pPr marL="1008435" marR="0" indent="-224097" algn="l" defTabSz="914367" rtl="0" eaLnBrk="1" fontAlgn="auto" latinLnBrk="0" hangingPunct="1">
+              <a:lnSpc>
+                <a:spcPct val="90000"/>
+              </a:lnSpc>
+              <a:spcBef>
+                <a:spcPct val="20000"/>
+              </a:spcBef>
+              <a:spcAft>
+                <a:spcPts val="0"/>
+              </a:spcAft>
+              <a:buClrTx/>
+              <a:buSzPct val="90000"/>
+              <a:buFont typeface="Arial" pitchFamily="34" charset="0"/>
+              <a:buChar char="•"/>
+              <a:tabLst/>
+              <a:defRPr sz="1765" kern="1200" spc="0" baseline="0">
+                <a:gradFill>
+                  <a:gsLst>
+                    <a:gs pos="1250">
+                      <a:schemeClr val="tx1"/>
+                    </a:gs>
+                    <a:gs pos="100000">
+                      <a:schemeClr val="tx1"/>
+                    </a:gs>
+                  </a:gsLst>
+                  <a:lin ang="5400000" scaled="0"/>
+                </a:gradFill>
+                <a:latin typeface="+mn-lt"/>
+                <a:ea typeface="+mn-ea"/>
+                <a:cs typeface="+mn-cs"/>
+              </a:defRPr>
+            </a:lvl4pPr>
+            <a:lvl5pPr marL="1232531" marR="0" indent="-224097" algn="l" defTabSz="914367" rtl="0" eaLnBrk="1" fontAlgn="auto" latinLnBrk="0" hangingPunct="1">
+              <a:lnSpc>
+                <a:spcPct val="90000"/>
+              </a:lnSpc>
+              <a:spcBef>
+                <a:spcPct val="20000"/>
+              </a:spcBef>
+              <a:spcAft>
+                <a:spcPts val="0"/>
+              </a:spcAft>
+              <a:buClrTx/>
+              <a:buSzPct val="90000"/>
+              <a:buFont typeface="Arial" pitchFamily="34" charset="0"/>
+              <a:buChar char="•"/>
+              <a:tabLst/>
+              <a:defRPr sz="1765" kern="1200" spc="0" baseline="0">
+                <a:gradFill>
+                  <a:gsLst>
+                    <a:gs pos="1250">
+                      <a:schemeClr val="tx1"/>
+                    </a:gs>
+                    <a:gs pos="100000">
+                      <a:schemeClr val="tx1"/>
+                    </a:gs>
+                  </a:gsLst>
+                  <a:lin ang="5400000" scaled="0"/>
+                </a:gradFill>
+                <a:latin typeface="+mn-lt"/>
+                <a:ea typeface="+mn-ea"/>
+                <a:cs typeface="+mn-cs"/>
+              </a:defRPr>
+            </a:lvl5pPr>
+            <a:lvl6pPr marL="2514509" indent="-228592" algn="l" defTabSz="914367" rtl="0" eaLnBrk="1" latinLnBrk="0" hangingPunct="1">
+              <a:spcBef>
+                <a:spcPct val="20000"/>
+              </a:spcBef>
+              <a:buFont typeface="Arial" pitchFamily="34" charset="0"/>
+              <a:buChar char="•"/>
+              <a:defRPr sz="1961" kern="1200">
+                <a:solidFill>
+                  <a:schemeClr val="tx1"/>
+                </a:solidFill>
+                <a:latin typeface="+mn-lt"/>
+                <a:ea typeface="+mn-ea"/>
+                <a:cs typeface="+mn-cs"/>
+              </a:defRPr>
+            </a:lvl6pPr>
+            <a:lvl7pPr marL="2971693" indent="-228592" algn="l" defTabSz="914367" rtl="0" eaLnBrk="1" latinLnBrk="0" hangingPunct="1">
+              <a:spcBef>
+                <a:spcPct val="20000"/>
+              </a:spcBef>
+              <a:buFont typeface="Arial" pitchFamily="34" charset="0"/>
+              <a:buChar char="•"/>
+              <a:defRPr sz="1961" kern="1200">
+                <a:solidFill>
+                  <a:schemeClr val="tx1"/>
+                </a:solidFill>
+                <a:latin typeface="+mn-lt"/>
+                <a:ea typeface="+mn-ea"/>
+                <a:cs typeface="+mn-cs"/>
+              </a:defRPr>
+            </a:lvl7pPr>
+            <a:lvl8pPr marL="3428877" indent="-228592" algn="l" defTabSz="914367" rtl="0" eaLnBrk="1" latinLnBrk="0" hangingPunct="1">
+              <a:spcBef>
+                <a:spcPct val="20000"/>
+              </a:spcBef>
+              <a:buFont typeface="Arial" pitchFamily="34" charset="0"/>
+              <a:buChar char="•"/>
+              <a:defRPr sz="1961" kern="1200">
+                <a:solidFill>
+                  <a:schemeClr val="tx1"/>
+                </a:solidFill>
+                <a:latin typeface="+mn-lt"/>
+                <a:ea typeface="+mn-ea"/>
+                <a:cs typeface="+mn-cs"/>
+              </a:defRPr>
+            </a:lvl8pPr>
+            <a:lvl9pPr marL="3886061" indent="-228592" algn="l" defTabSz="914367" rtl="0" eaLnBrk="1" latinLnBrk="0" hangingPunct="1">
+              <a:spcBef>
+                <a:spcPct val="20000"/>
+              </a:spcBef>
+              <a:buFont typeface="Arial" pitchFamily="34" charset="0"/>
+              <a:buChar char="•"/>
+              <a:defRPr sz="1961" kern="1200">
+                <a:solidFill>
+                  <a:schemeClr val="tx1"/>
+                </a:solidFill>
+                <a:latin typeface="+mn-lt"/>
+                <a:ea typeface="+mn-ea"/>
+                <a:cs typeface="+mn-cs"/>
+              </a:defRPr>
+            </a:lvl9pPr>
+          </a:lstStyle>
+          <a:p>
+            <a:pPr marL="0" indent="0" algn="l">
+              <a:buNone/>
+            </a:pPr>
+            <a:r>
+              <a:rPr lang="es-ES" sz="1800" b="0" i="0" dirty="0">
+                <a:solidFill>
+                  <a:srgbClr val="171717"/>
+                </a:solidFill>
+                <a:effectLst/>
+                <a:latin typeface="Segoe UI" panose="020B0502040204020203" pitchFamily="34" charset="0"/>
+              </a:rPr>
+              <a:t>Cuando se agrega un archivo de recursos a un proyecto de aplicación MAUI de .NET, se crea una entrada correspondiente para el recurso en el archivo del proyecto (.</a:t>
+            </a:r>
+            <a:r>
+              <a:rPr lang="es-ES" sz="1800" b="0" i="0" dirty="0" err="1">
+                <a:solidFill>
+                  <a:srgbClr val="171717"/>
+                </a:solidFill>
+                <a:effectLst/>
+                <a:latin typeface="Segoe UI" panose="020B0502040204020203" pitchFamily="34" charset="0"/>
+              </a:rPr>
+              <a:t>csproj</a:t>
+            </a:r>
+            <a:r>
+              <a:rPr lang="es-ES" sz="1800" b="0" i="0" dirty="0">
+                <a:solidFill>
+                  <a:srgbClr val="171717"/>
+                </a:solidFill>
+                <a:effectLst/>
+                <a:latin typeface="Segoe UI" panose="020B0502040204020203" pitchFamily="34" charset="0"/>
+              </a:rPr>
+              <a:t>).</a:t>
+            </a:r>
+            <a:endParaRPr lang="es-ES" sz="1800" b="0" dirty="0">
+              <a:solidFill>
+                <a:srgbClr val="171717"/>
+              </a:solidFill>
+              <a:effectLst/>
+              <a:latin typeface="Segoe UI" panose="020B0502040204020203" pitchFamily="34" charset="0"/>
+            </a:endParaRPr>
+          </a:p>
+        </p:txBody>
+      </p:sp>
+      <p:pic>
+        <p:nvPicPr>
+          <p:cNvPr id="7" name="Picture 6">
+            <a:extLst>
+              <a:ext uri="{FF2B5EF4-FFF2-40B4-BE49-F238E27FC236}">
+                <a16:creationId xmlns:a16="http://schemas.microsoft.com/office/drawing/2014/main" id="{ACBCA17D-EBDC-48E6-9DC2-3540EFE4292E}"/>
+              </a:ext>
+            </a:extLst>
+          </p:cNvPr>
+          <p:cNvPicPr>
+            <a:picLocks noChangeAspect="1"/>
+          </p:cNvPicPr>
+          <p:nvPr/>
+        </p:nvPicPr>
+        <p:blipFill>
+          <a:blip r:embed="rId2"/>
+          <a:stretch>
+            <a:fillRect/>
+          </a:stretch>
+        </p:blipFill>
+        <p:spPr>
+          <a:xfrm>
+            <a:off x="5664182" y="3162990"/>
+            <a:ext cx="3008477" cy="2001656"/>
+          </a:xfrm>
+          <a:prstGeom prst="rect">
+            <a:avLst/>
+          </a:prstGeom>
+        </p:spPr>
+      </p:pic>
+      <p:sp>
+        <p:nvSpPr>
+          <p:cNvPr id="9" name="TextBox 8">
+            <a:extLst>
+              <a:ext uri="{FF2B5EF4-FFF2-40B4-BE49-F238E27FC236}">
+                <a16:creationId xmlns:a16="http://schemas.microsoft.com/office/drawing/2014/main" id="{4E9ED69B-E61A-4AAE-88DE-E6A4A91707B9}"/>
+              </a:ext>
+            </a:extLst>
+          </p:cNvPr>
+          <p:cNvSpPr txBox="1"/>
+          <p:nvPr/>
+        </p:nvSpPr>
+        <p:spPr>
+          <a:xfrm>
+            <a:off x="582104" y="2856322"/>
+            <a:ext cx="5083405" cy="2308324"/>
+          </a:xfrm>
+          <a:prstGeom prst="rect">
+            <a:avLst/>
+          </a:prstGeom>
+          <a:noFill/>
+        </p:spPr>
+        <p:txBody>
+          <a:bodyPr wrap="square">
+            <a:spAutoFit/>
+          </a:bodyPr>
+          <a:lstStyle/>
+          <a:p>
+            <a:r>
+              <a:rPr lang="fr-FR" b="0" i="0" dirty="0">
+                <a:solidFill>
+                  <a:srgbClr val="0101FD"/>
+                </a:solidFill>
+                <a:effectLst/>
+                <a:latin typeface="SFMono-Regular"/>
+              </a:rPr>
+              <a:t>&lt;</a:t>
+            </a:r>
+            <a:r>
+              <a:rPr lang="fr-FR" b="0" i="0" dirty="0" err="1">
+                <a:solidFill>
+                  <a:srgbClr val="0101FD"/>
+                </a:solidFill>
+                <a:effectLst/>
+                <a:latin typeface="SFMono-Regular"/>
+              </a:rPr>
+              <a:t>ItemGroup</a:t>
+            </a:r>
+            <a:r>
+              <a:rPr lang="fr-FR" b="0" i="0" dirty="0">
+                <a:solidFill>
+                  <a:srgbClr val="0101FD"/>
+                </a:solidFill>
+                <a:effectLst/>
+                <a:latin typeface="SFMono-Regular"/>
+              </a:rPr>
+              <a:t>&gt;</a:t>
+            </a:r>
+            <a:r>
+              <a:rPr lang="fr-FR" b="0" i="0" dirty="0">
+                <a:solidFill>
+                  <a:srgbClr val="171717"/>
+                </a:solidFill>
+                <a:effectLst/>
+                <a:latin typeface="SFMono-Regular"/>
+              </a:rPr>
+              <a:t> </a:t>
+            </a:r>
+          </a:p>
+          <a:p>
+            <a:r>
+              <a:rPr lang="fr-FR" b="0" i="0" dirty="0">
+                <a:solidFill>
+                  <a:srgbClr val="008000"/>
+                </a:solidFill>
+                <a:effectLst/>
+                <a:latin typeface="SFMono-Regular"/>
+              </a:rPr>
+              <a:t>&lt;!-- Images --&gt;</a:t>
+            </a:r>
+            <a:r>
+              <a:rPr lang="fr-FR" b="0" i="0" dirty="0">
+                <a:solidFill>
+                  <a:srgbClr val="171717"/>
+                </a:solidFill>
+                <a:effectLst/>
+                <a:latin typeface="SFMono-Regular"/>
+              </a:rPr>
+              <a:t> </a:t>
+            </a:r>
+          </a:p>
+          <a:p>
+            <a:r>
+              <a:rPr lang="fr-FR" b="0" i="0" dirty="0">
+                <a:solidFill>
+                  <a:srgbClr val="0101FD"/>
+                </a:solidFill>
+                <a:effectLst/>
+                <a:latin typeface="SFMono-Regular"/>
+              </a:rPr>
+              <a:t>&lt;</a:t>
+            </a:r>
+            <a:r>
+              <a:rPr lang="fr-FR" b="0" i="0" dirty="0" err="1">
+                <a:solidFill>
+                  <a:srgbClr val="0101FD"/>
+                </a:solidFill>
+                <a:effectLst/>
+                <a:latin typeface="SFMono-Regular"/>
+              </a:rPr>
+              <a:t>MauiImage</a:t>
+            </a:r>
+            <a:r>
+              <a:rPr lang="fr-FR" b="0" i="0" dirty="0">
+                <a:solidFill>
+                  <a:srgbClr val="0101FD"/>
+                </a:solidFill>
+                <a:effectLst/>
+                <a:latin typeface="SFMono-Regular"/>
+              </a:rPr>
+              <a:t> </a:t>
+            </a:r>
+            <a:r>
+              <a:rPr lang="fr-FR" b="0" i="0" dirty="0" err="1">
+                <a:solidFill>
+                  <a:srgbClr val="0451A5"/>
+                </a:solidFill>
+                <a:effectLst/>
+                <a:latin typeface="SFMono-Regular"/>
+              </a:rPr>
+              <a:t>Include</a:t>
+            </a:r>
+            <a:r>
+              <a:rPr lang="fr-FR" b="0" i="0" dirty="0">
+                <a:solidFill>
+                  <a:srgbClr val="0101FD"/>
+                </a:solidFill>
+                <a:effectLst/>
+                <a:latin typeface="SFMono-Regular"/>
+              </a:rPr>
+              <a:t>=</a:t>
+            </a:r>
+            <a:r>
+              <a:rPr lang="fr-FR" b="0" i="0" dirty="0">
+                <a:solidFill>
+                  <a:srgbClr val="A31515"/>
+                </a:solidFill>
+                <a:effectLst/>
+                <a:latin typeface="SFMono-Regular"/>
+              </a:rPr>
+              <a:t>"</a:t>
+            </a:r>
+            <a:r>
+              <a:rPr lang="fr-FR" b="0" i="0" dirty="0" err="1">
+                <a:solidFill>
+                  <a:srgbClr val="A31515"/>
+                </a:solidFill>
+                <a:effectLst/>
+                <a:latin typeface="SFMono-Regular"/>
+              </a:rPr>
+              <a:t>Resources</a:t>
+            </a:r>
+            <a:r>
+              <a:rPr lang="fr-FR" b="0" i="0" dirty="0">
+                <a:solidFill>
+                  <a:srgbClr val="A31515"/>
+                </a:solidFill>
+                <a:effectLst/>
+                <a:latin typeface="SFMono-Regular"/>
+              </a:rPr>
+              <a:t>\Images\*"</a:t>
+            </a:r>
+            <a:r>
+              <a:rPr lang="fr-FR" b="0" i="0" dirty="0">
+                <a:solidFill>
+                  <a:srgbClr val="0101FD"/>
+                </a:solidFill>
+                <a:effectLst/>
+                <a:latin typeface="SFMono-Regular"/>
+              </a:rPr>
+              <a:t> /&gt;</a:t>
+            </a:r>
+            <a:r>
+              <a:rPr lang="fr-FR" b="0" i="0" dirty="0">
+                <a:solidFill>
+                  <a:srgbClr val="171717"/>
+                </a:solidFill>
+                <a:effectLst/>
+                <a:latin typeface="SFMono-Regular"/>
+              </a:rPr>
+              <a:t> </a:t>
+            </a:r>
+          </a:p>
+          <a:p>
+            <a:r>
+              <a:rPr lang="fr-FR" b="0" i="0" dirty="0">
+                <a:solidFill>
+                  <a:srgbClr val="008000"/>
+                </a:solidFill>
+                <a:effectLst/>
+                <a:latin typeface="SFMono-Regular"/>
+              </a:rPr>
+              <a:t>&lt;!-- Fonts --&gt;</a:t>
+            </a:r>
+            <a:r>
+              <a:rPr lang="fr-FR" b="0" i="0" dirty="0">
+                <a:solidFill>
+                  <a:srgbClr val="171717"/>
+                </a:solidFill>
+                <a:effectLst/>
+                <a:latin typeface="SFMono-Regular"/>
+              </a:rPr>
+              <a:t> </a:t>
+            </a:r>
+          </a:p>
+          <a:p>
+            <a:r>
+              <a:rPr lang="fr-FR" b="0" i="0" dirty="0">
+                <a:solidFill>
+                  <a:srgbClr val="0101FD"/>
+                </a:solidFill>
+                <a:effectLst/>
+                <a:latin typeface="SFMono-Regular"/>
+              </a:rPr>
+              <a:t>&lt;</a:t>
+            </a:r>
+            <a:r>
+              <a:rPr lang="fr-FR" b="0" i="0" dirty="0" err="1">
+                <a:solidFill>
+                  <a:srgbClr val="0101FD"/>
+                </a:solidFill>
+                <a:effectLst/>
+                <a:latin typeface="SFMono-Regular"/>
+              </a:rPr>
+              <a:t>MauiFont</a:t>
+            </a:r>
+            <a:r>
+              <a:rPr lang="fr-FR" b="0" i="0" dirty="0">
+                <a:solidFill>
+                  <a:srgbClr val="0101FD"/>
+                </a:solidFill>
+                <a:effectLst/>
+                <a:latin typeface="SFMono-Regular"/>
+              </a:rPr>
+              <a:t> </a:t>
+            </a:r>
+            <a:r>
+              <a:rPr lang="fr-FR" b="0" i="0" dirty="0" err="1">
+                <a:solidFill>
+                  <a:srgbClr val="0451A5"/>
+                </a:solidFill>
+                <a:effectLst/>
+                <a:latin typeface="SFMono-Regular"/>
+              </a:rPr>
+              <a:t>Include</a:t>
+            </a:r>
+            <a:r>
+              <a:rPr lang="fr-FR" b="0" i="0" dirty="0">
+                <a:solidFill>
+                  <a:srgbClr val="0101FD"/>
+                </a:solidFill>
+                <a:effectLst/>
+                <a:latin typeface="SFMono-Regular"/>
+              </a:rPr>
+              <a:t>=</a:t>
+            </a:r>
+            <a:r>
+              <a:rPr lang="fr-FR" b="0" i="0" dirty="0">
+                <a:solidFill>
+                  <a:srgbClr val="A31515"/>
+                </a:solidFill>
+                <a:effectLst/>
+                <a:latin typeface="SFMono-Regular"/>
+              </a:rPr>
+              <a:t>"</a:t>
+            </a:r>
+            <a:r>
+              <a:rPr lang="fr-FR" b="0" i="0" dirty="0" err="1">
+                <a:solidFill>
+                  <a:srgbClr val="A31515"/>
+                </a:solidFill>
+                <a:effectLst/>
+                <a:latin typeface="SFMono-Regular"/>
+              </a:rPr>
+              <a:t>Resources</a:t>
+            </a:r>
+            <a:r>
+              <a:rPr lang="fr-FR" b="0" i="0" dirty="0">
+                <a:solidFill>
+                  <a:srgbClr val="A31515"/>
+                </a:solidFill>
+                <a:effectLst/>
+                <a:latin typeface="SFMono-Regular"/>
+              </a:rPr>
+              <a:t>\Fonts\*"</a:t>
+            </a:r>
+            <a:r>
+              <a:rPr lang="fr-FR" b="0" i="0" dirty="0">
+                <a:solidFill>
+                  <a:srgbClr val="0101FD"/>
+                </a:solidFill>
+                <a:effectLst/>
+                <a:latin typeface="SFMono-Regular"/>
+              </a:rPr>
+              <a:t> /&gt;</a:t>
+            </a:r>
+            <a:r>
+              <a:rPr lang="fr-FR" b="0" i="0" dirty="0">
+                <a:solidFill>
+                  <a:srgbClr val="171717"/>
+                </a:solidFill>
+                <a:effectLst/>
+                <a:latin typeface="SFMono-Regular"/>
+              </a:rPr>
+              <a:t> </a:t>
+            </a:r>
+          </a:p>
+          <a:p>
+            <a:r>
+              <a:rPr lang="fr-FR" b="0" i="0" dirty="0">
+                <a:solidFill>
+                  <a:srgbClr val="008000"/>
+                </a:solidFill>
+                <a:effectLst/>
+                <a:latin typeface="SFMono-Regular"/>
+              </a:rPr>
+              <a:t>&lt;!-- Assets --&gt;</a:t>
+            </a:r>
+            <a:r>
+              <a:rPr lang="fr-FR" b="0" i="0" dirty="0">
+                <a:solidFill>
+                  <a:srgbClr val="171717"/>
+                </a:solidFill>
+                <a:effectLst/>
+                <a:latin typeface="SFMono-Regular"/>
+              </a:rPr>
+              <a:t> </a:t>
+            </a:r>
+          </a:p>
+          <a:p>
+            <a:r>
+              <a:rPr lang="fr-FR" b="0" i="0" dirty="0">
+                <a:solidFill>
+                  <a:srgbClr val="0101FD"/>
+                </a:solidFill>
+                <a:effectLst/>
+                <a:latin typeface="SFMono-Regular"/>
+              </a:rPr>
+              <a:t>&lt;</a:t>
+            </a:r>
+            <a:r>
+              <a:rPr lang="fr-FR" b="0" i="0" dirty="0" err="1">
+                <a:solidFill>
+                  <a:srgbClr val="0101FD"/>
+                </a:solidFill>
+                <a:effectLst/>
+                <a:latin typeface="SFMono-Regular"/>
+              </a:rPr>
+              <a:t>MauiAsset</a:t>
+            </a:r>
+            <a:r>
+              <a:rPr lang="fr-FR" b="0" i="0" dirty="0">
+                <a:solidFill>
+                  <a:srgbClr val="0101FD"/>
+                </a:solidFill>
+                <a:effectLst/>
+                <a:latin typeface="SFMono-Regular"/>
+              </a:rPr>
+              <a:t> </a:t>
+            </a:r>
+            <a:r>
+              <a:rPr lang="fr-FR" b="0" i="0" dirty="0" err="1">
+                <a:solidFill>
+                  <a:srgbClr val="0451A5"/>
+                </a:solidFill>
+                <a:effectLst/>
+                <a:latin typeface="SFMono-Regular"/>
+              </a:rPr>
+              <a:t>Include</a:t>
+            </a:r>
+            <a:r>
+              <a:rPr lang="fr-FR" b="0" i="0" dirty="0">
+                <a:solidFill>
+                  <a:srgbClr val="0101FD"/>
+                </a:solidFill>
+                <a:effectLst/>
+                <a:latin typeface="SFMono-Regular"/>
+              </a:rPr>
+              <a:t>=</a:t>
+            </a:r>
+            <a:r>
+              <a:rPr lang="fr-FR" b="0" i="0" dirty="0">
+                <a:solidFill>
+                  <a:srgbClr val="A31515"/>
+                </a:solidFill>
+                <a:effectLst/>
+                <a:latin typeface="SFMono-Regular"/>
+              </a:rPr>
+              <a:t>"</a:t>
+            </a:r>
+            <a:r>
+              <a:rPr lang="fr-FR" b="0" i="0" dirty="0" err="1">
+                <a:solidFill>
+                  <a:srgbClr val="A31515"/>
+                </a:solidFill>
+                <a:effectLst/>
+                <a:latin typeface="SFMono-Regular"/>
+              </a:rPr>
+              <a:t>Resources</a:t>
+            </a:r>
+            <a:r>
+              <a:rPr lang="fr-FR" b="0" i="0" dirty="0">
+                <a:solidFill>
+                  <a:srgbClr val="A31515"/>
+                </a:solidFill>
+                <a:effectLst/>
+                <a:latin typeface="SFMono-Regular"/>
+              </a:rPr>
+              <a:t>\Assets\*"</a:t>
+            </a:r>
+            <a:r>
+              <a:rPr lang="fr-FR" b="0" i="0" dirty="0">
+                <a:solidFill>
+                  <a:srgbClr val="0101FD"/>
+                </a:solidFill>
+                <a:effectLst/>
+                <a:latin typeface="SFMono-Regular"/>
+              </a:rPr>
+              <a:t> /&gt;</a:t>
+            </a:r>
+            <a:r>
+              <a:rPr lang="fr-FR" b="0" i="0" dirty="0">
+                <a:solidFill>
+                  <a:srgbClr val="171717"/>
+                </a:solidFill>
+                <a:effectLst/>
+                <a:latin typeface="SFMono-Regular"/>
+              </a:rPr>
+              <a:t> </a:t>
+            </a:r>
+            <a:r>
+              <a:rPr lang="fr-FR" b="0" i="0" dirty="0">
+                <a:solidFill>
+                  <a:srgbClr val="0101FD"/>
+                </a:solidFill>
+                <a:effectLst/>
+                <a:latin typeface="SFMono-Regular"/>
+              </a:rPr>
+              <a:t>&lt;/</a:t>
+            </a:r>
+            <a:r>
+              <a:rPr lang="fr-FR" b="0" i="0" dirty="0" err="1">
+                <a:solidFill>
+                  <a:srgbClr val="0101FD"/>
+                </a:solidFill>
+                <a:effectLst/>
+                <a:latin typeface="SFMono-Regular"/>
+              </a:rPr>
+              <a:t>ItemGroup</a:t>
+            </a:r>
+            <a:r>
+              <a:rPr lang="fr-FR" b="0" i="0" dirty="0">
+                <a:solidFill>
+                  <a:srgbClr val="0101FD"/>
+                </a:solidFill>
+                <a:effectLst/>
+                <a:latin typeface="SFMono-Regular"/>
+              </a:rPr>
+              <a:t>&gt;</a:t>
+            </a:r>
+            <a:endParaRPr lang="en-US" dirty="0"/>
+          </a:p>
+        </p:txBody>
+      </p:sp>
+    </p:spTree>
+    <p:extLst>
+      <p:ext uri="{BB962C8B-B14F-4D97-AF65-F5344CB8AC3E}">
+        <p14:creationId xmlns:p14="http://schemas.microsoft.com/office/powerpoint/2010/main" val="4119905293"/>
+      </p:ext>
+    </p:extLst>
+  </p:cSld>
+  <p:clrMapOvr>
+    <a:masterClrMapping/>
+  </p:clrMapOvr>
+  <p:transition>
+    <p:fade/>
+  </p:transition>
+</p:sld>
+</file>
+
+<file path=ppt/slides/slide4.xml><?xml version="1.0" encoding="utf-8"?>
+<p:sld xmlns:a="http://schemas.openxmlformats.org/drawingml/2006/main" xmlns:r="http://schemas.openxmlformats.org/officeDocument/2006/relationships" xmlns:p="http://schemas.openxmlformats.org/presentationml/2006/main">
+  <p:cSld>
+    <p:spTree>
+      <p:nvGrpSpPr>
+        <p:cNvPr id="1" name=""/>
+        <p:cNvGrpSpPr/>
+        <p:nvPr/>
+      </p:nvGrpSpPr>
+      <p:grpSpPr>
+        <a:xfrm>
+          <a:off x="0" y="0"/>
+          <a:ext cx="0" cy="0"/>
+          <a:chOff x="0" y="0"/>
+          <a:chExt cx="0" cy="0"/>
+        </a:xfrm>
+      </p:grpSpPr>
+      <p:sp>
+        <p:nvSpPr>
+          <p:cNvPr id="3" name="Title 2">
+            <a:extLst>
+              <a:ext uri="{FF2B5EF4-FFF2-40B4-BE49-F238E27FC236}">
+                <a16:creationId xmlns:a16="http://schemas.microsoft.com/office/drawing/2014/main" id="{652E2BA4-9FC0-4828-A940-3704183398DF}"/>
+              </a:ext>
+            </a:extLst>
+          </p:cNvPr>
+          <p:cNvSpPr>
+            <a:spLocks noGrp="1"/>
+          </p:cNvSpPr>
+          <p:nvPr>
+            <p:ph type="title"/>
+          </p:nvPr>
+        </p:nvSpPr>
+        <p:spPr/>
+        <p:txBody>
+          <a:bodyPr/>
+          <a:lstStyle/>
+          <a:p>
+            <a:r>
+              <a:rPr lang="es-ES" sz="7200" dirty="0">
+                <a:solidFill>
+                  <a:schemeClr val="bg1"/>
+                </a:solidFill>
+              </a:rPr>
+              <a:t>Tipos de recursos</a:t>
+            </a:r>
+            <a:endParaRPr lang="en-US" sz="7200" dirty="0">
+              <a:solidFill>
+                <a:schemeClr val="bg1"/>
+              </a:solidFill>
+            </a:endParaRPr>
+          </a:p>
+        </p:txBody>
+      </p:sp>
+    </p:spTree>
+    <p:extLst>
+      <p:ext uri="{BB962C8B-B14F-4D97-AF65-F5344CB8AC3E}">
+        <p14:creationId xmlns:p14="http://schemas.microsoft.com/office/powerpoint/2010/main" val="3107669657"/>
+      </p:ext>
+    </p:extLst>
+  </p:cSld>
+  <p:clrMapOvr>
+    <a:masterClrMapping/>
+  </p:clrMapOvr>
+  <p:transition spd="med"/>
+</p:sld>
+</file>
+
+<file path=ppt/slides/slide5.xml><?xml version="1.0" encoding="utf-8"?>
+<p:sld xmlns:a="http://schemas.openxmlformats.org/drawingml/2006/main" xmlns:r="http://schemas.openxmlformats.org/officeDocument/2006/relationships" xmlns:p="http://schemas.openxmlformats.org/presentationml/2006/main">
+  <p:cSld>
+    <p:spTree>
+      <p:nvGrpSpPr>
+        <p:cNvPr id="1" name=""/>
+        <p:cNvGrpSpPr/>
+        <p:nvPr/>
+      </p:nvGrpSpPr>
+      <p:grpSpPr>
+        <a:xfrm>
+          <a:off x="0" y="0"/>
+          <a:ext cx="0" cy="0"/>
+          <a:chOff x="0" y="0"/>
+          <a:chExt cx="0" cy="0"/>
+        </a:xfrm>
+      </p:grpSpPr>
+      <p:sp>
+        <p:nvSpPr>
+          <p:cNvPr id="5" name="Title 1">
+            <a:extLst>
+              <a:ext uri="{FF2B5EF4-FFF2-40B4-BE49-F238E27FC236}">
+                <a16:creationId xmlns:a16="http://schemas.microsoft.com/office/drawing/2014/main" id="{01388D49-B47C-45BB-B53B-F6092580BE6E}"/>
+              </a:ext>
+            </a:extLst>
+          </p:cNvPr>
+          <p:cNvSpPr>
+            <a:spLocks noGrp="1"/>
+          </p:cNvSpPr>
+          <p:nvPr>
+            <p:ph type="title"/>
+          </p:nvPr>
+        </p:nvSpPr>
+        <p:spPr>
+          <a:xfrm>
+            <a:off x="457200" y="1123122"/>
+            <a:ext cx="7706412" cy="591378"/>
+          </a:xfrm>
+        </p:spPr>
+        <p:txBody>
+          <a:bodyPr>
+            <a:noAutofit/>
+          </a:bodyPr>
+          <a:lstStyle/>
+          <a:p>
+            <a:r>
+              <a:rPr lang="es-ES" sz="3200" dirty="0">
+                <a:latin typeface="Segoe UI Semibold"/>
+                <a:cs typeface="Segoe UI Semibold"/>
+              </a:rPr>
+              <a:t>I</a:t>
+            </a:r>
+            <a:r>
+              <a:rPr lang="en-US" sz="3200" dirty="0" err="1">
+                <a:latin typeface="Segoe UI Semibold"/>
+                <a:cs typeface="Segoe UI Semibold"/>
+              </a:rPr>
+              <a:t>cono</a:t>
+            </a:r>
+            <a:r>
+              <a:rPr lang="en-US" sz="3200" dirty="0">
+                <a:latin typeface="Segoe UI Semibold"/>
+                <a:cs typeface="Segoe UI Semibold"/>
+              </a:rPr>
+              <a:t> de la </a:t>
+            </a:r>
+            <a:r>
+              <a:rPr lang="en-US" sz="3200" dirty="0" err="1">
+                <a:latin typeface="Segoe UI Semibold"/>
+                <a:cs typeface="Segoe UI Semibold"/>
+              </a:rPr>
+              <a:t>aplicación</a:t>
+            </a:r>
+            <a:endParaRPr lang="en-US" sz="3200" dirty="0"/>
+          </a:p>
+        </p:txBody>
+      </p:sp>
+      <p:sp>
+        <p:nvSpPr>
+          <p:cNvPr id="6" name="Content Placeholder 2">
+            <a:extLst>
+              <a:ext uri="{FF2B5EF4-FFF2-40B4-BE49-F238E27FC236}">
+                <a16:creationId xmlns:a16="http://schemas.microsoft.com/office/drawing/2014/main" id="{AC81F8B9-8203-4DB3-932F-AB15DF79780D}"/>
+              </a:ext>
+            </a:extLst>
+          </p:cNvPr>
+          <p:cNvSpPr txBox="1">
+            <a:spLocks/>
+          </p:cNvSpPr>
+          <p:nvPr/>
+        </p:nvSpPr>
+        <p:spPr>
+          <a:xfrm>
+            <a:off x="457200" y="2142642"/>
+            <a:ext cx="11222610" cy="2542480"/>
+          </a:xfrm>
+          <a:prstGeom prst="rect">
+            <a:avLst/>
+          </a:prstGeom>
+        </p:spPr>
+        <p:txBody>
+          <a:bodyPr vert="horz" lIns="91440" tIns="45720" rIns="91440" bIns="45720" rtlCol="0" anchor="t">
+            <a:noAutofit/>
+          </a:bodyPr>
+          <a:lstStyle>
+            <a:lvl1pPr marL="336145" marR="0" indent="-336145" algn="l" defTabSz="914367" rtl="0" eaLnBrk="1" fontAlgn="auto" latinLnBrk="0" hangingPunct="1">
+              <a:lnSpc>
+                <a:spcPct val="90000"/>
+              </a:lnSpc>
+              <a:spcBef>
+                <a:spcPct val="20000"/>
+              </a:spcBef>
+              <a:spcAft>
+                <a:spcPts val="0"/>
+              </a:spcAft>
+              <a:buClrTx/>
+              <a:buSzPct val="90000"/>
+              <a:buFont typeface="Arial" pitchFamily="34" charset="0"/>
+              <a:buChar char="•"/>
+              <a:tabLst/>
+              <a:defRPr sz="3921" kern="1200" spc="0" baseline="0">
+                <a:gradFill>
+                  <a:gsLst>
+                    <a:gs pos="1250">
+                      <a:schemeClr val="tx1"/>
+                    </a:gs>
+                    <a:gs pos="100000">
+                      <a:schemeClr val="tx1"/>
+                    </a:gs>
+                  </a:gsLst>
+                  <a:lin ang="5400000" scaled="0"/>
+                </a:gradFill>
+                <a:latin typeface="+mj-lt"/>
+                <a:ea typeface="+mn-ea"/>
+                <a:cs typeface="+mn-cs"/>
+              </a:defRPr>
+            </a:lvl1pPr>
+            <a:lvl2pPr marL="572691" marR="0" indent="-236546" algn="l" defTabSz="914367" rtl="0" eaLnBrk="1" fontAlgn="auto" latinLnBrk="0" hangingPunct="1">
+              <a:lnSpc>
+                <a:spcPct val="90000"/>
+              </a:lnSpc>
+              <a:spcBef>
+                <a:spcPct val="20000"/>
+              </a:spcBef>
+              <a:spcAft>
+                <a:spcPts val="0"/>
+              </a:spcAft>
+              <a:buClrTx/>
+              <a:buSzPct val="90000"/>
+              <a:buFont typeface="Arial" pitchFamily="34" charset="0"/>
+              <a:buChar char="•"/>
+              <a:tabLst/>
+              <a:defRPr sz="2353" kern="1200" spc="0" baseline="0">
+                <a:gradFill>
+                  <a:gsLst>
+                    <a:gs pos="1250">
+                      <a:schemeClr val="tx1"/>
+                    </a:gs>
+                    <a:gs pos="100000">
+                      <a:schemeClr val="tx1"/>
+                    </a:gs>
+                  </a:gsLst>
+                  <a:lin ang="5400000" scaled="0"/>
+                </a:gradFill>
+                <a:latin typeface="+mn-lt"/>
+                <a:ea typeface="+mn-ea"/>
+                <a:cs typeface="+mn-cs"/>
+              </a:defRPr>
+            </a:lvl2pPr>
+            <a:lvl3pPr marL="784338" marR="0" indent="-224097" algn="l" defTabSz="914367" rtl="0" eaLnBrk="1" fontAlgn="auto" latinLnBrk="0" hangingPunct="1">
+              <a:lnSpc>
+                <a:spcPct val="90000"/>
+              </a:lnSpc>
+              <a:spcBef>
+                <a:spcPct val="20000"/>
+              </a:spcBef>
+              <a:spcAft>
+                <a:spcPts val="0"/>
+              </a:spcAft>
+              <a:buClrTx/>
+              <a:buSzPct val="90000"/>
+              <a:buFont typeface="Arial" pitchFamily="34" charset="0"/>
+              <a:buChar char="•"/>
+              <a:tabLst/>
+              <a:defRPr sz="1961" kern="1200" spc="0" baseline="0">
+                <a:gradFill>
+                  <a:gsLst>
+                    <a:gs pos="1250">
+                      <a:schemeClr val="tx1"/>
+                    </a:gs>
+                    <a:gs pos="100000">
+                      <a:schemeClr val="tx1"/>
+                    </a:gs>
+                  </a:gsLst>
+                  <a:lin ang="5400000" scaled="0"/>
+                </a:gradFill>
+                <a:latin typeface="+mn-lt"/>
+                <a:ea typeface="+mn-ea"/>
+                <a:cs typeface="+mn-cs"/>
+              </a:defRPr>
+            </a:lvl3pPr>
+            <a:lvl4pPr marL="1008435" marR="0" indent="-224097" algn="l" defTabSz="914367" rtl="0" eaLnBrk="1" fontAlgn="auto" latinLnBrk="0" hangingPunct="1">
+              <a:lnSpc>
+                <a:spcPct val="90000"/>
+              </a:lnSpc>
+              <a:spcBef>
+                <a:spcPct val="20000"/>
+              </a:spcBef>
+              <a:spcAft>
+                <a:spcPts val="0"/>
+              </a:spcAft>
+              <a:buClrTx/>
+              <a:buSzPct val="90000"/>
+              <a:buFont typeface="Arial" pitchFamily="34" charset="0"/>
+              <a:buChar char="•"/>
+              <a:tabLst/>
+              <a:defRPr sz="1765" kern="1200" spc="0" baseline="0">
+                <a:gradFill>
+                  <a:gsLst>
+                    <a:gs pos="1250">
+                      <a:schemeClr val="tx1"/>
+                    </a:gs>
+                    <a:gs pos="100000">
+                      <a:schemeClr val="tx1"/>
+                    </a:gs>
+                  </a:gsLst>
+                  <a:lin ang="5400000" scaled="0"/>
+                </a:gradFill>
+                <a:latin typeface="+mn-lt"/>
+                <a:ea typeface="+mn-ea"/>
+                <a:cs typeface="+mn-cs"/>
+              </a:defRPr>
+            </a:lvl4pPr>
+            <a:lvl5pPr marL="1232531" marR="0" indent="-224097" algn="l" defTabSz="914367" rtl="0" eaLnBrk="1" fontAlgn="auto" latinLnBrk="0" hangingPunct="1">
+              <a:lnSpc>
+                <a:spcPct val="90000"/>
+              </a:lnSpc>
+              <a:spcBef>
+                <a:spcPct val="20000"/>
+              </a:spcBef>
+              <a:spcAft>
+                <a:spcPts val="0"/>
+              </a:spcAft>
+              <a:buClrTx/>
+              <a:buSzPct val="90000"/>
+              <a:buFont typeface="Arial" pitchFamily="34" charset="0"/>
+              <a:buChar char="•"/>
+              <a:tabLst/>
+              <a:defRPr sz="1765" kern="1200" spc="0" baseline="0">
+                <a:gradFill>
+                  <a:gsLst>
+                    <a:gs pos="1250">
+                      <a:schemeClr val="tx1"/>
+                    </a:gs>
+                    <a:gs pos="100000">
+                      <a:schemeClr val="tx1"/>
+                    </a:gs>
+                  </a:gsLst>
+                  <a:lin ang="5400000" scaled="0"/>
+                </a:gradFill>
+                <a:latin typeface="+mn-lt"/>
+                <a:ea typeface="+mn-ea"/>
+                <a:cs typeface="+mn-cs"/>
+              </a:defRPr>
+            </a:lvl5pPr>
+            <a:lvl6pPr marL="2514509" indent="-228592" algn="l" defTabSz="914367" rtl="0" eaLnBrk="1" latinLnBrk="0" hangingPunct="1">
+              <a:spcBef>
+                <a:spcPct val="20000"/>
+              </a:spcBef>
+              <a:buFont typeface="Arial" pitchFamily="34" charset="0"/>
+              <a:buChar char="•"/>
+              <a:defRPr sz="1961" kern="1200">
+                <a:solidFill>
+                  <a:schemeClr val="tx1"/>
+                </a:solidFill>
+                <a:latin typeface="+mn-lt"/>
+                <a:ea typeface="+mn-ea"/>
+                <a:cs typeface="+mn-cs"/>
+              </a:defRPr>
+            </a:lvl6pPr>
+            <a:lvl7pPr marL="2971693" indent="-228592" algn="l" defTabSz="914367" rtl="0" eaLnBrk="1" latinLnBrk="0" hangingPunct="1">
+              <a:spcBef>
+                <a:spcPct val="20000"/>
+              </a:spcBef>
+              <a:buFont typeface="Arial" pitchFamily="34" charset="0"/>
+              <a:buChar char="•"/>
+              <a:defRPr sz="1961" kern="1200">
+                <a:solidFill>
+                  <a:schemeClr val="tx1"/>
+                </a:solidFill>
+                <a:latin typeface="+mn-lt"/>
+                <a:ea typeface="+mn-ea"/>
+                <a:cs typeface="+mn-cs"/>
+              </a:defRPr>
+            </a:lvl7pPr>
+            <a:lvl8pPr marL="3428877" indent="-228592" algn="l" defTabSz="914367" rtl="0" eaLnBrk="1" latinLnBrk="0" hangingPunct="1">
+              <a:spcBef>
+                <a:spcPct val="20000"/>
+              </a:spcBef>
+              <a:buFont typeface="Arial" pitchFamily="34" charset="0"/>
+              <a:buChar char="•"/>
+              <a:defRPr sz="1961" kern="1200">
+                <a:solidFill>
+                  <a:schemeClr val="tx1"/>
+                </a:solidFill>
+                <a:latin typeface="+mn-lt"/>
+                <a:ea typeface="+mn-ea"/>
+                <a:cs typeface="+mn-cs"/>
+              </a:defRPr>
+            </a:lvl8pPr>
+            <a:lvl9pPr marL="3886061" indent="-228592" algn="l" defTabSz="914367" rtl="0" eaLnBrk="1" latinLnBrk="0" hangingPunct="1">
+              <a:spcBef>
+                <a:spcPct val="20000"/>
+              </a:spcBef>
+              <a:buFont typeface="Arial" pitchFamily="34" charset="0"/>
+              <a:buChar char="•"/>
+              <a:defRPr sz="1961" kern="1200">
+                <a:solidFill>
+                  <a:schemeClr val="tx1"/>
+                </a:solidFill>
+                <a:latin typeface="+mn-lt"/>
+                <a:ea typeface="+mn-ea"/>
+                <a:cs typeface="+mn-cs"/>
+              </a:defRPr>
+            </a:lvl9pPr>
+          </a:lstStyle>
+          <a:p>
+            <a:pPr marL="0" indent="0" algn="l">
+              <a:buNone/>
+            </a:pPr>
+            <a:r>
+              <a:rPr lang="es-ES" sz="1800" b="0" i="0" dirty="0">
+                <a:solidFill>
+                  <a:srgbClr val="171717"/>
+                </a:solidFill>
+                <a:effectLst/>
+                <a:latin typeface="Segoe UI" panose="020B0502040204020203" pitchFamily="34" charset="0"/>
+              </a:rPr>
+              <a:t>Se puede agregar un icono de aplicación al proyecto de aplicación arrastrando una imagen a la carpeta </a:t>
+            </a:r>
+            <a:r>
+              <a:rPr lang="es-ES" sz="1800" b="0" i="0" dirty="0" err="1">
+                <a:solidFill>
+                  <a:srgbClr val="171717"/>
+                </a:solidFill>
+                <a:effectLst/>
+                <a:latin typeface="Segoe UI" panose="020B0502040204020203" pitchFamily="34" charset="0"/>
+              </a:rPr>
+              <a:t>Resources</a:t>
+            </a:r>
+            <a:r>
+              <a:rPr lang="es-ES" sz="1800" b="0" i="0" dirty="0">
+                <a:solidFill>
+                  <a:srgbClr val="171717"/>
+                </a:solidFill>
+                <a:effectLst/>
+                <a:latin typeface="Segoe UI" panose="020B0502040204020203" pitchFamily="34" charset="0"/>
+              </a:rPr>
+              <a:t>\</a:t>
+            </a:r>
+            <a:r>
+              <a:rPr lang="es-ES" sz="1800" b="0" i="0" dirty="0" err="1">
+                <a:solidFill>
+                  <a:srgbClr val="171717"/>
+                </a:solidFill>
+                <a:effectLst/>
+                <a:latin typeface="Segoe UI" panose="020B0502040204020203" pitchFamily="34" charset="0"/>
+              </a:rPr>
+              <a:t>Images</a:t>
+            </a:r>
+            <a:r>
+              <a:rPr lang="es-ES" sz="1800" b="0" i="0" dirty="0">
+                <a:solidFill>
+                  <a:srgbClr val="171717"/>
+                </a:solidFill>
+                <a:effectLst/>
+                <a:latin typeface="Segoe UI" panose="020B0502040204020203" pitchFamily="34" charset="0"/>
+              </a:rPr>
+              <a:t> del proyecto y estableciendo la acción de compilación del icono en </a:t>
+            </a:r>
+            <a:r>
+              <a:rPr lang="es-ES" sz="1800" b="1" i="0" dirty="0" err="1">
+                <a:solidFill>
+                  <a:srgbClr val="171717"/>
+                </a:solidFill>
+                <a:effectLst/>
+                <a:latin typeface="Segoe UI" panose="020B0502040204020203" pitchFamily="34" charset="0"/>
+              </a:rPr>
+              <a:t>MauiIcon</a:t>
+            </a:r>
+            <a:r>
+              <a:rPr lang="es-ES" sz="1800" b="0" i="0" dirty="0">
+                <a:solidFill>
+                  <a:srgbClr val="171717"/>
+                </a:solidFill>
+                <a:effectLst/>
+                <a:latin typeface="Segoe UI" panose="020B0502040204020203" pitchFamily="34" charset="0"/>
+              </a:rPr>
+              <a:t> en la ventana Propiedades.</a:t>
+            </a:r>
+          </a:p>
+          <a:p>
+            <a:pPr marL="0" indent="0" algn="l">
+              <a:buNone/>
+            </a:pPr>
+            <a:endParaRPr lang="es-ES" sz="1800" dirty="0">
+              <a:solidFill>
+                <a:srgbClr val="171717"/>
+              </a:solidFill>
+              <a:latin typeface="Segoe UI" panose="020B0502040204020203" pitchFamily="34" charset="0"/>
+            </a:endParaRPr>
+          </a:p>
+          <a:p>
+            <a:pPr marL="0" indent="0" algn="l">
+              <a:buNone/>
+            </a:pPr>
+            <a:endParaRPr lang="es-ES" sz="1800" b="0" dirty="0">
+              <a:solidFill>
+                <a:srgbClr val="171717"/>
+              </a:solidFill>
+              <a:effectLst/>
+              <a:latin typeface="Segoe UI" panose="020B0502040204020203" pitchFamily="34" charset="0"/>
+            </a:endParaRPr>
+          </a:p>
+          <a:p>
+            <a:pPr marL="0" indent="0" algn="l">
+              <a:buNone/>
+            </a:pPr>
+            <a:endParaRPr lang="es-ES" sz="1800" dirty="0">
+              <a:solidFill>
+                <a:srgbClr val="171717"/>
+              </a:solidFill>
+              <a:latin typeface="Segoe UI" panose="020B0502040204020203" pitchFamily="34" charset="0"/>
+            </a:endParaRPr>
+          </a:p>
+          <a:p>
+            <a:pPr marL="0" indent="0" algn="l">
+              <a:buNone/>
+            </a:pPr>
+            <a:r>
+              <a:rPr lang="es-ES" sz="1800" b="0" dirty="0">
+                <a:solidFill>
+                  <a:srgbClr val="171717"/>
+                </a:solidFill>
+                <a:effectLst/>
+                <a:latin typeface="Segoe UI" panose="020B0502040204020203" pitchFamily="34" charset="0"/>
+              </a:rPr>
+              <a:t>En tiempo de compilación, las imágenes se pueden cambiar de tamaño a las resoluciones correctas para la plataforma y el dispositivo de destino.</a:t>
+            </a:r>
+          </a:p>
+        </p:txBody>
+      </p:sp>
+      <p:sp>
+        <p:nvSpPr>
+          <p:cNvPr id="7" name="TextBox 6">
+            <a:extLst>
+              <a:ext uri="{FF2B5EF4-FFF2-40B4-BE49-F238E27FC236}">
+                <a16:creationId xmlns:a16="http://schemas.microsoft.com/office/drawing/2014/main" id="{261E3C6F-80D2-469F-BE93-7A2108237EED}"/>
+              </a:ext>
+            </a:extLst>
+          </p:cNvPr>
+          <p:cNvSpPr txBox="1"/>
+          <p:nvPr/>
+        </p:nvSpPr>
+        <p:spPr>
+          <a:xfrm>
+            <a:off x="457200" y="3244334"/>
+            <a:ext cx="6537488" cy="369332"/>
+          </a:xfrm>
+          <a:prstGeom prst="rect">
+            <a:avLst/>
+          </a:prstGeom>
+          <a:noFill/>
+        </p:spPr>
+        <p:txBody>
+          <a:bodyPr wrap="square">
+            <a:spAutoFit/>
+          </a:bodyPr>
+          <a:lstStyle/>
+          <a:p>
+            <a:r>
+              <a:rPr lang="en-US" b="0" i="0" dirty="0">
+                <a:solidFill>
+                  <a:srgbClr val="0101FD"/>
+                </a:solidFill>
+                <a:effectLst/>
+                <a:latin typeface="SFMono-Regular"/>
+              </a:rPr>
+              <a:t>&lt;</a:t>
+            </a:r>
+            <a:r>
+              <a:rPr lang="en-US" b="0" i="0" dirty="0" err="1">
+                <a:solidFill>
+                  <a:srgbClr val="0101FD"/>
+                </a:solidFill>
+                <a:effectLst/>
+                <a:latin typeface="SFMono-Regular"/>
+              </a:rPr>
+              <a:t>MauiIcon</a:t>
+            </a:r>
+            <a:r>
+              <a:rPr lang="en-US" b="0" i="0" dirty="0">
+                <a:solidFill>
+                  <a:srgbClr val="0101FD"/>
+                </a:solidFill>
+                <a:effectLst/>
+                <a:latin typeface="SFMono-Regular"/>
+              </a:rPr>
+              <a:t> </a:t>
+            </a:r>
+            <a:r>
+              <a:rPr lang="en-US" b="0" i="0" dirty="0">
+                <a:solidFill>
+                  <a:srgbClr val="0451A5"/>
+                </a:solidFill>
+                <a:effectLst/>
+                <a:latin typeface="SFMono-Regular"/>
+              </a:rPr>
+              <a:t>Include</a:t>
+            </a:r>
+            <a:r>
+              <a:rPr lang="en-US" b="0" i="0" dirty="0">
+                <a:solidFill>
+                  <a:srgbClr val="0101FD"/>
+                </a:solidFill>
+                <a:effectLst/>
+                <a:latin typeface="SFMono-Regular"/>
+              </a:rPr>
+              <a:t>=</a:t>
+            </a:r>
+            <a:r>
+              <a:rPr lang="en-US" b="0" i="0" dirty="0">
+                <a:solidFill>
+                  <a:srgbClr val="A31515"/>
+                </a:solidFill>
+                <a:effectLst/>
+                <a:latin typeface="SFMono-Regular"/>
+              </a:rPr>
+              <a:t>"Resources\Images\appicon.png"</a:t>
+            </a:r>
+            <a:r>
+              <a:rPr lang="en-US" b="0" i="0" dirty="0">
+                <a:solidFill>
+                  <a:srgbClr val="0101FD"/>
+                </a:solidFill>
+                <a:effectLst/>
+                <a:latin typeface="SFMono-Regular"/>
+              </a:rPr>
+              <a:t> /&gt;</a:t>
+            </a:r>
+            <a:endParaRPr lang="en-US" dirty="0"/>
+          </a:p>
+        </p:txBody>
+      </p:sp>
+    </p:spTree>
+    <p:extLst>
+      <p:ext uri="{BB962C8B-B14F-4D97-AF65-F5344CB8AC3E}">
+        <p14:creationId xmlns:p14="http://schemas.microsoft.com/office/powerpoint/2010/main" val="2031258699"/>
+      </p:ext>
+    </p:extLst>
+  </p:cSld>
+  <p:clrMapOvr>
+    <a:masterClrMapping/>
+  </p:clrMapOvr>
+  <p:transition>
+    <p:fade/>
+  </p:transition>
+</p:sld>
+</file>
+
+<file path=ppt/slides/slide6.xml><?xml version="1.0" encoding="utf-8"?>
+<p:sld xmlns:a="http://schemas.openxmlformats.org/drawingml/2006/main" xmlns:r="http://schemas.openxmlformats.org/officeDocument/2006/relationships" xmlns:p="http://schemas.openxmlformats.org/presentationml/2006/main">
+  <p:cSld>
+    <p:spTree>
+      <p:nvGrpSpPr>
+        <p:cNvPr id="1" name=""/>
+        <p:cNvGrpSpPr/>
+        <p:nvPr/>
+      </p:nvGrpSpPr>
+      <p:grpSpPr>
+        <a:xfrm>
+          <a:off x="0" y="0"/>
+          <a:ext cx="0" cy="0"/>
+          <a:chOff x="0" y="0"/>
+          <a:chExt cx="0" cy="0"/>
+        </a:xfrm>
+      </p:grpSpPr>
+      <p:sp>
+        <p:nvSpPr>
+          <p:cNvPr id="5" name="Title 1">
+            <a:extLst>
+              <a:ext uri="{FF2B5EF4-FFF2-40B4-BE49-F238E27FC236}">
+                <a16:creationId xmlns:a16="http://schemas.microsoft.com/office/drawing/2014/main" id="{01388D49-B47C-45BB-B53B-F6092580BE6E}"/>
+              </a:ext>
+            </a:extLst>
+          </p:cNvPr>
+          <p:cNvSpPr>
+            <a:spLocks noGrp="1"/>
+          </p:cNvSpPr>
+          <p:nvPr>
+            <p:ph type="title"/>
+          </p:nvPr>
+        </p:nvSpPr>
+        <p:spPr>
+          <a:xfrm>
+            <a:off x="457200" y="1123122"/>
+            <a:ext cx="7706412" cy="591378"/>
+          </a:xfrm>
+        </p:spPr>
+        <p:txBody>
+          <a:bodyPr>
+            <a:noAutofit/>
+          </a:bodyPr>
+          <a:lstStyle/>
+          <a:p>
+            <a:r>
+              <a:rPr lang="es-ES" sz="3200" dirty="0" err="1">
+                <a:latin typeface="Segoe UI Semibold"/>
+                <a:cs typeface="Segoe UI Semibold"/>
+              </a:rPr>
+              <a:t>SplashScreen</a:t>
+            </a:r>
+            <a:endParaRPr lang="en-US" sz="3200" dirty="0"/>
+          </a:p>
+        </p:txBody>
+      </p:sp>
+      <p:sp>
+        <p:nvSpPr>
+          <p:cNvPr id="6" name="Content Placeholder 2">
+            <a:extLst>
+              <a:ext uri="{FF2B5EF4-FFF2-40B4-BE49-F238E27FC236}">
+                <a16:creationId xmlns:a16="http://schemas.microsoft.com/office/drawing/2014/main" id="{AC81F8B9-8203-4DB3-932F-AB15DF79780D}"/>
+              </a:ext>
+            </a:extLst>
+          </p:cNvPr>
+          <p:cNvSpPr txBox="1">
+            <a:spLocks/>
+          </p:cNvSpPr>
+          <p:nvPr/>
+        </p:nvSpPr>
+        <p:spPr>
+          <a:xfrm>
+            <a:off x="457200" y="2142641"/>
+            <a:ext cx="11222610" cy="2240823"/>
+          </a:xfrm>
+          <a:prstGeom prst="rect">
+            <a:avLst/>
+          </a:prstGeom>
+        </p:spPr>
+        <p:txBody>
+          <a:bodyPr vert="horz" lIns="91440" tIns="45720" rIns="91440" bIns="45720" rtlCol="0" anchor="t">
+            <a:noAutofit/>
+          </a:bodyPr>
+          <a:lstStyle>
+            <a:lvl1pPr marL="336145" marR="0" indent="-336145" algn="l" defTabSz="914367" rtl="0" eaLnBrk="1" fontAlgn="auto" latinLnBrk="0" hangingPunct="1">
+              <a:lnSpc>
+                <a:spcPct val="90000"/>
+              </a:lnSpc>
+              <a:spcBef>
+                <a:spcPct val="20000"/>
+              </a:spcBef>
+              <a:spcAft>
+                <a:spcPts val="0"/>
+              </a:spcAft>
+              <a:buClrTx/>
+              <a:buSzPct val="90000"/>
+              <a:buFont typeface="Arial" pitchFamily="34" charset="0"/>
+              <a:buChar char="•"/>
+              <a:tabLst/>
+              <a:defRPr sz="3921" kern="1200" spc="0" baseline="0">
+                <a:gradFill>
+                  <a:gsLst>
+                    <a:gs pos="1250">
+                      <a:schemeClr val="tx1"/>
+                    </a:gs>
+                    <a:gs pos="100000">
+                      <a:schemeClr val="tx1"/>
+                    </a:gs>
+                  </a:gsLst>
+                  <a:lin ang="5400000" scaled="0"/>
+                </a:gradFill>
+                <a:latin typeface="+mj-lt"/>
+                <a:ea typeface="+mn-ea"/>
+                <a:cs typeface="+mn-cs"/>
+              </a:defRPr>
+            </a:lvl1pPr>
+            <a:lvl2pPr marL="572691" marR="0" indent="-236546" algn="l" defTabSz="914367" rtl="0" eaLnBrk="1" fontAlgn="auto" latinLnBrk="0" hangingPunct="1">
+              <a:lnSpc>
+                <a:spcPct val="90000"/>
+              </a:lnSpc>
+              <a:spcBef>
+                <a:spcPct val="20000"/>
+              </a:spcBef>
+              <a:spcAft>
+                <a:spcPts val="0"/>
+              </a:spcAft>
+              <a:buClrTx/>
+              <a:buSzPct val="90000"/>
+              <a:buFont typeface="Arial" pitchFamily="34" charset="0"/>
+              <a:buChar char="•"/>
+              <a:tabLst/>
+              <a:defRPr sz="2353" kern="1200" spc="0" baseline="0">
+                <a:gradFill>
+                  <a:gsLst>
+                    <a:gs pos="1250">
+                      <a:schemeClr val="tx1"/>
+                    </a:gs>
+                    <a:gs pos="100000">
+                      <a:schemeClr val="tx1"/>
+                    </a:gs>
+                  </a:gsLst>
+                  <a:lin ang="5400000" scaled="0"/>
+                </a:gradFill>
+                <a:latin typeface="+mn-lt"/>
+                <a:ea typeface="+mn-ea"/>
+                <a:cs typeface="+mn-cs"/>
+              </a:defRPr>
+            </a:lvl2pPr>
+            <a:lvl3pPr marL="784338" marR="0" indent="-224097" algn="l" defTabSz="914367" rtl="0" eaLnBrk="1" fontAlgn="auto" latinLnBrk="0" hangingPunct="1">
+              <a:lnSpc>
+                <a:spcPct val="90000"/>
+              </a:lnSpc>
+              <a:spcBef>
+                <a:spcPct val="20000"/>
+              </a:spcBef>
+              <a:spcAft>
+                <a:spcPts val="0"/>
+              </a:spcAft>
+              <a:buClrTx/>
+              <a:buSzPct val="90000"/>
+              <a:buFont typeface="Arial" pitchFamily="34" charset="0"/>
+              <a:buChar char="•"/>
+              <a:tabLst/>
+              <a:defRPr sz="1961" kern="1200" spc="0" baseline="0">
+                <a:gradFill>
+                  <a:gsLst>
+                    <a:gs pos="1250">
+                      <a:schemeClr val="tx1"/>
+                    </a:gs>
+                    <a:gs pos="100000">
+                      <a:schemeClr val="tx1"/>
+                    </a:gs>
+                  </a:gsLst>
+                  <a:lin ang="5400000" scaled="0"/>
+                </a:gradFill>
+                <a:latin typeface="+mn-lt"/>
+                <a:ea typeface="+mn-ea"/>
+                <a:cs typeface="+mn-cs"/>
+              </a:defRPr>
+            </a:lvl3pPr>
+            <a:lvl4pPr marL="1008435" marR="0" indent="-224097" algn="l" defTabSz="914367" rtl="0" eaLnBrk="1" fontAlgn="auto" latinLnBrk="0" hangingPunct="1">
+              <a:lnSpc>
+                <a:spcPct val="90000"/>
+              </a:lnSpc>
+              <a:spcBef>
+                <a:spcPct val="20000"/>
+              </a:spcBef>
+              <a:spcAft>
+                <a:spcPts val="0"/>
+              </a:spcAft>
+              <a:buClrTx/>
+              <a:buSzPct val="90000"/>
+              <a:buFont typeface="Arial" pitchFamily="34" charset="0"/>
+              <a:buChar char="•"/>
+              <a:tabLst/>
+              <a:defRPr sz="1765" kern="1200" spc="0" baseline="0">
+                <a:gradFill>
+                  <a:gsLst>
+                    <a:gs pos="1250">
+                      <a:schemeClr val="tx1"/>
+                    </a:gs>
+                    <a:gs pos="100000">
+                      <a:schemeClr val="tx1"/>
+                    </a:gs>
+                  </a:gsLst>
+                  <a:lin ang="5400000" scaled="0"/>
+                </a:gradFill>
+                <a:latin typeface="+mn-lt"/>
+                <a:ea typeface="+mn-ea"/>
+                <a:cs typeface="+mn-cs"/>
+              </a:defRPr>
+            </a:lvl4pPr>
+            <a:lvl5pPr marL="1232531" marR="0" indent="-224097" algn="l" defTabSz="914367" rtl="0" eaLnBrk="1" fontAlgn="auto" latinLnBrk="0" hangingPunct="1">
+              <a:lnSpc>
+                <a:spcPct val="90000"/>
+              </a:lnSpc>
+              <a:spcBef>
+                <a:spcPct val="20000"/>
+              </a:spcBef>
+              <a:spcAft>
+                <a:spcPts val="0"/>
+              </a:spcAft>
+              <a:buClrTx/>
+              <a:buSzPct val="90000"/>
+              <a:buFont typeface="Arial" pitchFamily="34" charset="0"/>
+              <a:buChar char="•"/>
+              <a:tabLst/>
+              <a:defRPr sz="1765" kern="1200" spc="0" baseline="0">
+                <a:gradFill>
+                  <a:gsLst>
+                    <a:gs pos="1250">
+                      <a:schemeClr val="tx1"/>
+                    </a:gs>
+                    <a:gs pos="100000">
+                      <a:schemeClr val="tx1"/>
+                    </a:gs>
+                  </a:gsLst>
+                  <a:lin ang="5400000" scaled="0"/>
+                </a:gradFill>
+                <a:latin typeface="+mn-lt"/>
+                <a:ea typeface="+mn-ea"/>
+                <a:cs typeface="+mn-cs"/>
+              </a:defRPr>
+            </a:lvl5pPr>
+            <a:lvl6pPr marL="2514509" indent="-228592" algn="l" defTabSz="914367" rtl="0" eaLnBrk="1" latinLnBrk="0" hangingPunct="1">
+              <a:spcBef>
+                <a:spcPct val="20000"/>
+              </a:spcBef>
+              <a:buFont typeface="Arial" pitchFamily="34" charset="0"/>
+              <a:buChar char="•"/>
+              <a:defRPr sz="1961" kern="1200">
+                <a:solidFill>
+                  <a:schemeClr val="tx1"/>
+                </a:solidFill>
+                <a:latin typeface="+mn-lt"/>
+                <a:ea typeface="+mn-ea"/>
+                <a:cs typeface="+mn-cs"/>
+              </a:defRPr>
+            </a:lvl6pPr>
+            <a:lvl7pPr marL="2971693" indent="-228592" algn="l" defTabSz="914367" rtl="0" eaLnBrk="1" latinLnBrk="0" hangingPunct="1">
+              <a:spcBef>
+                <a:spcPct val="20000"/>
+              </a:spcBef>
+              <a:buFont typeface="Arial" pitchFamily="34" charset="0"/>
+              <a:buChar char="•"/>
+              <a:defRPr sz="1961" kern="1200">
+                <a:solidFill>
+                  <a:schemeClr val="tx1"/>
+                </a:solidFill>
+                <a:latin typeface="+mn-lt"/>
+                <a:ea typeface="+mn-ea"/>
+                <a:cs typeface="+mn-cs"/>
+              </a:defRPr>
+            </a:lvl7pPr>
+            <a:lvl8pPr marL="3428877" indent="-228592" algn="l" defTabSz="914367" rtl="0" eaLnBrk="1" latinLnBrk="0" hangingPunct="1">
+              <a:spcBef>
+                <a:spcPct val="20000"/>
+              </a:spcBef>
+              <a:buFont typeface="Arial" pitchFamily="34" charset="0"/>
+              <a:buChar char="•"/>
+              <a:defRPr sz="1961" kern="1200">
+                <a:solidFill>
+                  <a:schemeClr val="tx1"/>
+                </a:solidFill>
+                <a:latin typeface="+mn-lt"/>
+                <a:ea typeface="+mn-ea"/>
+                <a:cs typeface="+mn-cs"/>
+              </a:defRPr>
+            </a:lvl8pPr>
+            <a:lvl9pPr marL="3886061" indent="-228592" algn="l" defTabSz="914367" rtl="0" eaLnBrk="1" latinLnBrk="0" hangingPunct="1">
+              <a:spcBef>
+                <a:spcPct val="20000"/>
+              </a:spcBef>
+              <a:buFont typeface="Arial" pitchFamily="34" charset="0"/>
+              <a:buChar char="•"/>
+              <a:defRPr sz="1961" kern="1200">
+                <a:solidFill>
+                  <a:schemeClr val="tx1"/>
+                </a:solidFill>
+                <a:latin typeface="+mn-lt"/>
+                <a:ea typeface="+mn-ea"/>
+                <a:cs typeface="+mn-cs"/>
+              </a:defRPr>
+            </a:lvl9pPr>
+          </a:lstStyle>
+          <a:p>
+            <a:pPr marL="0" indent="0" algn="l">
+              <a:buNone/>
+            </a:pPr>
+            <a:r>
+              <a:rPr lang="es-ES" sz="1800" b="0" i="0" dirty="0">
+                <a:solidFill>
+                  <a:srgbClr val="171717"/>
+                </a:solidFill>
+                <a:effectLst/>
+                <a:latin typeface="Segoe UI" panose="020B0502040204020203" pitchFamily="34" charset="0"/>
+              </a:rPr>
+              <a:t>Se puede agregar una pantalla de barra diagonal al proyecto de aplicación arrastrando una imagen a la carpeta </a:t>
+            </a:r>
+            <a:r>
+              <a:rPr lang="es-ES" sz="1800" b="0" i="0" dirty="0" err="1">
+                <a:solidFill>
+                  <a:srgbClr val="171717"/>
+                </a:solidFill>
+                <a:effectLst/>
+                <a:latin typeface="Segoe UI" panose="020B0502040204020203" pitchFamily="34" charset="0"/>
+              </a:rPr>
+              <a:t>Resources</a:t>
+            </a:r>
+            <a:r>
+              <a:rPr lang="es-ES" sz="1800" b="0" i="0" dirty="0">
+                <a:solidFill>
+                  <a:srgbClr val="171717"/>
+                </a:solidFill>
+                <a:effectLst/>
+                <a:latin typeface="Segoe UI" panose="020B0502040204020203" pitchFamily="34" charset="0"/>
+              </a:rPr>
+              <a:t>\</a:t>
+            </a:r>
+            <a:r>
+              <a:rPr lang="es-ES" sz="1800" b="0" i="0" dirty="0" err="1">
+                <a:solidFill>
+                  <a:srgbClr val="171717"/>
+                </a:solidFill>
+                <a:effectLst/>
+                <a:latin typeface="Segoe UI" panose="020B0502040204020203" pitchFamily="34" charset="0"/>
+              </a:rPr>
+              <a:t>Images</a:t>
+            </a:r>
+            <a:r>
+              <a:rPr lang="es-ES" sz="1800" b="0" i="0" dirty="0">
+                <a:solidFill>
+                  <a:srgbClr val="171717"/>
+                </a:solidFill>
+                <a:effectLst/>
+                <a:latin typeface="Segoe UI" panose="020B0502040204020203" pitchFamily="34" charset="0"/>
+              </a:rPr>
+              <a:t> del proyecto y estableciendo la acción de compilación de la imagen en </a:t>
+            </a:r>
+            <a:r>
+              <a:rPr lang="es-ES" sz="1800" b="0" i="0" dirty="0" err="1">
+                <a:solidFill>
+                  <a:srgbClr val="171717"/>
+                </a:solidFill>
+                <a:effectLst/>
+                <a:latin typeface="Segoe UI" panose="020B0502040204020203" pitchFamily="34" charset="0"/>
+              </a:rPr>
+              <a:t>MauiSplashScreen</a:t>
+            </a:r>
+            <a:r>
+              <a:rPr lang="es-ES" sz="1800" b="0" i="0" dirty="0">
+                <a:solidFill>
+                  <a:srgbClr val="171717"/>
+                </a:solidFill>
+                <a:effectLst/>
+                <a:latin typeface="Segoe UI" panose="020B0502040204020203" pitchFamily="34" charset="0"/>
+              </a:rPr>
+              <a:t> en la ventana Propiedades.</a:t>
+            </a:r>
+          </a:p>
+          <a:p>
+            <a:pPr marL="0" indent="0" algn="l">
+              <a:buNone/>
+            </a:pPr>
+            <a:endParaRPr lang="es-ES" sz="1800" dirty="0">
+              <a:solidFill>
+                <a:srgbClr val="171717"/>
+              </a:solidFill>
+              <a:latin typeface="Segoe UI" panose="020B0502040204020203" pitchFamily="34" charset="0"/>
+            </a:endParaRPr>
+          </a:p>
+          <a:p>
+            <a:pPr marL="0" indent="0" algn="l">
+              <a:buNone/>
+            </a:pPr>
+            <a:endParaRPr lang="es-ES" sz="1800" b="0" dirty="0">
+              <a:solidFill>
+                <a:srgbClr val="171717"/>
+              </a:solidFill>
+              <a:effectLst/>
+              <a:latin typeface="Segoe UI" panose="020B0502040204020203" pitchFamily="34" charset="0"/>
+            </a:endParaRPr>
+          </a:p>
+          <a:p>
+            <a:pPr marL="0" indent="0" algn="l">
+              <a:buNone/>
+            </a:pPr>
+            <a:endParaRPr lang="es-ES" sz="1000" b="0" i="0" dirty="0">
+              <a:solidFill>
+                <a:srgbClr val="171717"/>
+              </a:solidFill>
+              <a:effectLst/>
+              <a:latin typeface="Segoe UI" panose="020B0502040204020203" pitchFamily="34" charset="0"/>
+            </a:endParaRPr>
+          </a:p>
+          <a:p>
+            <a:pPr marL="0" indent="0" algn="l">
+              <a:buNone/>
+            </a:pPr>
+            <a:r>
+              <a:rPr lang="es-ES" sz="1800" b="0" i="0" dirty="0">
+                <a:solidFill>
+                  <a:srgbClr val="171717"/>
+                </a:solidFill>
+                <a:effectLst/>
+                <a:latin typeface="Segoe UI" panose="020B0502040204020203" pitchFamily="34" charset="0"/>
+              </a:rPr>
+              <a:t>En tiempo de compilación, la imagen de la pantalla de presentación se cambia de tamaño al tamaño correcto para la plataforma y el dispositivo de destino. </a:t>
+            </a:r>
+            <a:endParaRPr lang="es-ES" sz="1800" dirty="0">
+              <a:solidFill>
+                <a:srgbClr val="171717"/>
+              </a:solidFill>
+              <a:latin typeface="Segoe UI" panose="020B0502040204020203" pitchFamily="34" charset="0"/>
+            </a:endParaRPr>
+          </a:p>
+          <a:p>
+            <a:pPr marL="0" indent="0" algn="l">
+              <a:buNone/>
+            </a:pPr>
+            <a:endParaRPr lang="es-ES" sz="1800" b="0" dirty="0">
+              <a:solidFill>
+                <a:srgbClr val="171717"/>
+              </a:solidFill>
+              <a:effectLst/>
+              <a:latin typeface="Segoe UI" panose="020B0502040204020203" pitchFamily="34" charset="0"/>
+            </a:endParaRPr>
+          </a:p>
+        </p:txBody>
+      </p:sp>
+      <p:sp>
+        <p:nvSpPr>
+          <p:cNvPr id="8" name="TextBox 7">
+            <a:extLst>
+              <a:ext uri="{FF2B5EF4-FFF2-40B4-BE49-F238E27FC236}">
+                <a16:creationId xmlns:a16="http://schemas.microsoft.com/office/drawing/2014/main" id="{7663041D-9B28-4BC5-AD05-859FA0030172}"/>
+              </a:ext>
+            </a:extLst>
+          </p:cNvPr>
+          <p:cNvSpPr txBox="1"/>
+          <p:nvPr/>
+        </p:nvSpPr>
+        <p:spPr>
+          <a:xfrm>
+            <a:off x="457200" y="3108191"/>
+            <a:ext cx="7053607" cy="369332"/>
+          </a:xfrm>
+          <a:prstGeom prst="rect">
+            <a:avLst/>
+          </a:prstGeom>
+          <a:noFill/>
+        </p:spPr>
+        <p:txBody>
+          <a:bodyPr wrap="square">
+            <a:spAutoFit/>
+          </a:bodyPr>
+          <a:lstStyle/>
+          <a:p>
+            <a:r>
+              <a:rPr lang="en-US" b="0" i="0" dirty="0">
+                <a:solidFill>
+                  <a:srgbClr val="0101FD"/>
+                </a:solidFill>
+                <a:effectLst/>
+                <a:latin typeface="SFMono-Regular"/>
+              </a:rPr>
+              <a:t>&lt;</a:t>
+            </a:r>
+            <a:r>
+              <a:rPr lang="en-US" b="0" i="0" dirty="0" err="1">
+                <a:solidFill>
+                  <a:srgbClr val="0101FD"/>
+                </a:solidFill>
+                <a:effectLst/>
+                <a:latin typeface="SFMono-Regular"/>
+              </a:rPr>
+              <a:t>MauiSplashScreen</a:t>
+            </a:r>
+            <a:r>
+              <a:rPr lang="en-US" b="0" i="0" dirty="0">
+                <a:solidFill>
+                  <a:srgbClr val="0101FD"/>
+                </a:solidFill>
+                <a:effectLst/>
+                <a:latin typeface="SFMono-Regular"/>
+              </a:rPr>
+              <a:t> </a:t>
+            </a:r>
+            <a:r>
+              <a:rPr lang="en-US" b="0" i="0" dirty="0">
+                <a:solidFill>
+                  <a:srgbClr val="0451A5"/>
+                </a:solidFill>
+                <a:effectLst/>
+                <a:latin typeface="SFMono-Regular"/>
+              </a:rPr>
+              <a:t>Include</a:t>
+            </a:r>
+            <a:r>
+              <a:rPr lang="en-US" b="0" i="0" dirty="0">
+                <a:solidFill>
+                  <a:srgbClr val="0101FD"/>
+                </a:solidFill>
+                <a:effectLst/>
+                <a:latin typeface="SFMono-Regular"/>
+              </a:rPr>
+              <a:t>=</a:t>
+            </a:r>
+            <a:r>
+              <a:rPr lang="en-US" b="0" i="0" dirty="0">
+                <a:solidFill>
+                  <a:srgbClr val="A31515"/>
+                </a:solidFill>
+                <a:effectLst/>
+                <a:latin typeface="SFMono-Regular"/>
+              </a:rPr>
+              <a:t>"Resources\Images\</a:t>
+            </a:r>
+            <a:r>
+              <a:rPr lang="en-US" b="0" i="0" dirty="0" err="1">
+                <a:solidFill>
+                  <a:srgbClr val="A31515"/>
+                </a:solidFill>
+                <a:effectLst/>
+                <a:latin typeface="SFMono-Regular"/>
+              </a:rPr>
+              <a:t>splashscreen.svg</a:t>
+            </a:r>
+            <a:r>
+              <a:rPr lang="en-US" b="0" i="0" dirty="0">
+                <a:solidFill>
+                  <a:srgbClr val="A31515"/>
+                </a:solidFill>
+                <a:effectLst/>
+                <a:latin typeface="SFMono-Regular"/>
+              </a:rPr>
+              <a:t>"</a:t>
+            </a:r>
+            <a:r>
+              <a:rPr lang="en-US" b="0" i="0" dirty="0">
+                <a:solidFill>
+                  <a:srgbClr val="0101FD"/>
+                </a:solidFill>
+                <a:effectLst/>
+                <a:latin typeface="SFMono-Regular"/>
+              </a:rPr>
+              <a:t> /&gt;</a:t>
+            </a:r>
+            <a:endParaRPr lang="en-US" dirty="0"/>
+          </a:p>
+        </p:txBody>
+      </p:sp>
+    </p:spTree>
+    <p:extLst>
+      <p:ext uri="{BB962C8B-B14F-4D97-AF65-F5344CB8AC3E}">
+        <p14:creationId xmlns:p14="http://schemas.microsoft.com/office/powerpoint/2010/main" val="2592796876"/>
+      </p:ext>
+    </p:extLst>
+  </p:cSld>
+  <p:clrMapOvr>
+    <a:masterClrMapping/>
+  </p:clrMapOvr>
+  <p:transition>
+    <p:fade/>
+  </p:transition>
+</p:sld>
+</file>
+
+<file path=ppt/slides/slide7.xml><?xml version="1.0" encoding="utf-8"?>
+<p:sld xmlns:a="http://schemas.openxmlformats.org/drawingml/2006/main" xmlns:r="http://schemas.openxmlformats.org/officeDocument/2006/relationships" xmlns:p="http://schemas.openxmlformats.org/presentationml/2006/main">
+  <p:cSld>
+    <p:spTree>
+      <p:nvGrpSpPr>
+        <p:cNvPr id="1" name=""/>
+        <p:cNvGrpSpPr/>
+        <p:nvPr/>
+      </p:nvGrpSpPr>
+      <p:grpSpPr>
+        <a:xfrm>
+          <a:off x="0" y="0"/>
+          <a:ext cx="0" cy="0"/>
+          <a:chOff x="0" y="0"/>
+          <a:chExt cx="0" cy="0"/>
+        </a:xfrm>
+      </p:grpSpPr>
+      <p:sp>
+        <p:nvSpPr>
+          <p:cNvPr id="5" name="Title 1">
+            <a:extLst>
+              <a:ext uri="{FF2B5EF4-FFF2-40B4-BE49-F238E27FC236}">
+                <a16:creationId xmlns:a16="http://schemas.microsoft.com/office/drawing/2014/main" id="{01388D49-B47C-45BB-B53B-F6092580BE6E}"/>
+              </a:ext>
+            </a:extLst>
+          </p:cNvPr>
+          <p:cNvSpPr>
+            <a:spLocks noGrp="1"/>
+          </p:cNvSpPr>
+          <p:nvPr>
+            <p:ph type="title"/>
+          </p:nvPr>
+        </p:nvSpPr>
+        <p:spPr>
+          <a:xfrm>
+            <a:off x="457200" y="1123122"/>
+            <a:ext cx="7706412" cy="591378"/>
+          </a:xfrm>
+        </p:spPr>
+        <p:txBody>
+          <a:bodyPr>
+            <a:noAutofit/>
+          </a:bodyPr>
+          <a:lstStyle/>
+          <a:p>
+            <a:r>
+              <a:rPr lang="es-ES" sz="3200" dirty="0">
+                <a:latin typeface="Segoe UI Semibold"/>
+                <a:cs typeface="Segoe UI Semibold"/>
+              </a:rPr>
+              <a:t>Imágenes</a:t>
+            </a:r>
+            <a:endParaRPr lang="en-US" sz="3200" dirty="0"/>
+          </a:p>
+        </p:txBody>
+      </p:sp>
+      <p:sp>
+        <p:nvSpPr>
+          <p:cNvPr id="6" name="Content Placeholder 2">
+            <a:extLst>
+              <a:ext uri="{FF2B5EF4-FFF2-40B4-BE49-F238E27FC236}">
+                <a16:creationId xmlns:a16="http://schemas.microsoft.com/office/drawing/2014/main" id="{AC81F8B9-8203-4DB3-932F-AB15DF79780D}"/>
+              </a:ext>
+            </a:extLst>
+          </p:cNvPr>
+          <p:cNvSpPr txBox="1">
+            <a:spLocks/>
+          </p:cNvSpPr>
+          <p:nvPr/>
+        </p:nvSpPr>
+        <p:spPr>
+          <a:xfrm>
+            <a:off x="457200" y="2142641"/>
+            <a:ext cx="11222610" cy="2137128"/>
+          </a:xfrm>
+          <a:prstGeom prst="rect">
+            <a:avLst/>
+          </a:prstGeom>
+        </p:spPr>
+        <p:txBody>
+          <a:bodyPr vert="horz" lIns="91440" tIns="45720" rIns="91440" bIns="45720" rtlCol="0" anchor="t">
+            <a:noAutofit/>
+          </a:bodyPr>
+          <a:lstStyle>
+            <a:lvl1pPr marL="336145" marR="0" indent="-336145" algn="l" defTabSz="914367" rtl="0" eaLnBrk="1" fontAlgn="auto" latinLnBrk="0" hangingPunct="1">
+              <a:lnSpc>
+                <a:spcPct val="90000"/>
+              </a:lnSpc>
+              <a:spcBef>
+                <a:spcPct val="20000"/>
+              </a:spcBef>
+              <a:spcAft>
+                <a:spcPts val="0"/>
+              </a:spcAft>
+              <a:buClrTx/>
+              <a:buSzPct val="90000"/>
+              <a:buFont typeface="Arial" pitchFamily="34" charset="0"/>
+              <a:buChar char="•"/>
+              <a:tabLst/>
+              <a:defRPr sz="3921" kern="1200" spc="0" baseline="0">
+                <a:gradFill>
+                  <a:gsLst>
+                    <a:gs pos="1250">
+                      <a:schemeClr val="tx1"/>
+                    </a:gs>
+                    <a:gs pos="100000">
+                      <a:schemeClr val="tx1"/>
+                    </a:gs>
+                  </a:gsLst>
+                  <a:lin ang="5400000" scaled="0"/>
+                </a:gradFill>
+                <a:latin typeface="+mj-lt"/>
+                <a:ea typeface="+mn-ea"/>
+                <a:cs typeface="+mn-cs"/>
+              </a:defRPr>
+            </a:lvl1pPr>
+            <a:lvl2pPr marL="572691" marR="0" indent="-236546" algn="l" defTabSz="914367" rtl="0" eaLnBrk="1" fontAlgn="auto" latinLnBrk="0" hangingPunct="1">
+              <a:lnSpc>
+                <a:spcPct val="90000"/>
+              </a:lnSpc>
+              <a:spcBef>
+                <a:spcPct val="20000"/>
+              </a:spcBef>
+              <a:spcAft>
+                <a:spcPts val="0"/>
+              </a:spcAft>
+              <a:buClrTx/>
+              <a:buSzPct val="90000"/>
+              <a:buFont typeface="Arial" pitchFamily="34" charset="0"/>
+              <a:buChar char="•"/>
+              <a:tabLst/>
+              <a:defRPr sz="2353" kern="1200" spc="0" baseline="0">
+                <a:gradFill>
+                  <a:gsLst>
+                    <a:gs pos="1250">
+                      <a:schemeClr val="tx1"/>
+                    </a:gs>
+                    <a:gs pos="100000">
+                      <a:schemeClr val="tx1"/>
+                    </a:gs>
+                  </a:gsLst>
+                  <a:lin ang="5400000" scaled="0"/>
+                </a:gradFill>
+                <a:latin typeface="+mn-lt"/>
+                <a:ea typeface="+mn-ea"/>
+                <a:cs typeface="+mn-cs"/>
+              </a:defRPr>
+            </a:lvl2pPr>
+            <a:lvl3pPr marL="784338" marR="0" indent="-224097" algn="l" defTabSz="914367" rtl="0" eaLnBrk="1" fontAlgn="auto" latinLnBrk="0" hangingPunct="1">
+              <a:lnSpc>
+                <a:spcPct val="90000"/>
+              </a:lnSpc>
+              <a:spcBef>
+                <a:spcPct val="20000"/>
+              </a:spcBef>
+              <a:spcAft>
+                <a:spcPts val="0"/>
+              </a:spcAft>
+              <a:buClrTx/>
+              <a:buSzPct val="90000"/>
+              <a:buFont typeface="Arial" pitchFamily="34" charset="0"/>
+              <a:buChar char="•"/>
+              <a:tabLst/>
+              <a:defRPr sz="1961" kern="1200" spc="0" baseline="0">
+                <a:gradFill>
+                  <a:gsLst>
+                    <a:gs pos="1250">
+                      <a:schemeClr val="tx1"/>
+                    </a:gs>
+                    <a:gs pos="100000">
+                      <a:schemeClr val="tx1"/>
+                    </a:gs>
+                  </a:gsLst>
+                  <a:lin ang="5400000" scaled="0"/>
+                </a:gradFill>
+                <a:latin typeface="+mn-lt"/>
+                <a:ea typeface="+mn-ea"/>
+                <a:cs typeface="+mn-cs"/>
+              </a:defRPr>
+            </a:lvl3pPr>
+            <a:lvl4pPr marL="1008435" marR="0" indent="-224097" algn="l" defTabSz="914367" rtl="0" eaLnBrk="1" fontAlgn="auto" latinLnBrk="0" hangingPunct="1">
+              <a:lnSpc>
+                <a:spcPct val="90000"/>
+              </a:lnSpc>
+              <a:spcBef>
+                <a:spcPct val="20000"/>
+              </a:spcBef>
+              <a:spcAft>
+                <a:spcPts val="0"/>
+              </a:spcAft>
+              <a:buClrTx/>
+              <a:buSzPct val="90000"/>
+              <a:buFont typeface="Arial" pitchFamily="34" charset="0"/>
+              <a:buChar char="•"/>
+              <a:tabLst/>
+              <a:defRPr sz="1765" kern="1200" spc="0" baseline="0">
+                <a:gradFill>
+                  <a:gsLst>
+                    <a:gs pos="1250">
+                      <a:schemeClr val="tx1"/>
+                    </a:gs>
+                    <a:gs pos="100000">
+                      <a:schemeClr val="tx1"/>
+                    </a:gs>
+                  </a:gsLst>
+                  <a:lin ang="5400000" scaled="0"/>
+                </a:gradFill>
+                <a:latin typeface="+mn-lt"/>
+                <a:ea typeface="+mn-ea"/>
+                <a:cs typeface="+mn-cs"/>
+              </a:defRPr>
+            </a:lvl4pPr>
+            <a:lvl5pPr marL="1232531" marR="0" indent="-224097" algn="l" defTabSz="914367" rtl="0" eaLnBrk="1" fontAlgn="auto" latinLnBrk="0" hangingPunct="1">
+              <a:lnSpc>
+                <a:spcPct val="90000"/>
+              </a:lnSpc>
+              <a:spcBef>
+                <a:spcPct val="20000"/>
+              </a:spcBef>
+              <a:spcAft>
+                <a:spcPts val="0"/>
+              </a:spcAft>
+              <a:buClrTx/>
+              <a:buSzPct val="90000"/>
+              <a:buFont typeface="Arial" pitchFamily="34" charset="0"/>
+              <a:buChar char="•"/>
+              <a:tabLst/>
+              <a:defRPr sz="1765" kern="1200" spc="0" baseline="0">
+                <a:gradFill>
+                  <a:gsLst>
+                    <a:gs pos="1250">
+                      <a:schemeClr val="tx1"/>
+                    </a:gs>
+                    <a:gs pos="100000">
+                      <a:schemeClr val="tx1"/>
+                    </a:gs>
+                  </a:gsLst>
+                  <a:lin ang="5400000" scaled="0"/>
+                </a:gradFill>
+                <a:latin typeface="+mn-lt"/>
+                <a:ea typeface="+mn-ea"/>
+                <a:cs typeface="+mn-cs"/>
+              </a:defRPr>
+            </a:lvl5pPr>
+            <a:lvl6pPr marL="2514509" indent="-228592" algn="l" defTabSz="914367" rtl="0" eaLnBrk="1" latinLnBrk="0" hangingPunct="1">
+              <a:spcBef>
+                <a:spcPct val="20000"/>
+              </a:spcBef>
+              <a:buFont typeface="Arial" pitchFamily="34" charset="0"/>
+              <a:buChar char="•"/>
+              <a:defRPr sz="1961" kern="1200">
+                <a:solidFill>
+                  <a:schemeClr val="tx1"/>
+                </a:solidFill>
+                <a:latin typeface="+mn-lt"/>
+                <a:ea typeface="+mn-ea"/>
+                <a:cs typeface="+mn-cs"/>
+              </a:defRPr>
+            </a:lvl6pPr>
+            <a:lvl7pPr marL="2971693" indent="-228592" algn="l" defTabSz="914367" rtl="0" eaLnBrk="1" latinLnBrk="0" hangingPunct="1">
+              <a:spcBef>
+                <a:spcPct val="20000"/>
+              </a:spcBef>
+              <a:buFont typeface="Arial" pitchFamily="34" charset="0"/>
+              <a:buChar char="•"/>
+              <a:defRPr sz="1961" kern="1200">
+                <a:solidFill>
+                  <a:schemeClr val="tx1"/>
+                </a:solidFill>
+                <a:latin typeface="+mn-lt"/>
+                <a:ea typeface="+mn-ea"/>
+                <a:cs typeface="+mn-cs"/>
+              </a:defRPr>
+            </a:lvl7pPr>
+            <a:lvl8pPr marL="3428877" indent="-228592" algn="l" defTabSz="914367" rtl="0" eaLnBrk="1" latinLnBrk="0" hangingPunct="1">
+              <a:spcBef>
+                <a:spcPct val="20000"/>
+              </a:spcBef>
+              <a:buFont typeface="Arial" pitchFamily="34" charset="0"/>
+              <a:buChar char="•"/>
+              <a:defRPr sz="1961" kern="1200">
+                <a:solidFill>
+                  <a:schemeClr val="tx1"/>
+                </a:solidFill>
+                <a:latin typeface="+mn-lt"/>
+                <a:ea typeface="+mn-ea"/>
+                <a:cs typeface="+mn-cs"/>
+              </a:defRPr>
+            </a:lvl8pPr>
+            <a:lvl9pPr marL="3886061" indent="-228592" algn="l" defTabSz="914367" rtl="0" eaLnBrk="1" latinLnBrk="0" hangingPunct="1">
+              <a:spcBef>
+                <a:spcPct val="20000"/>
+              </a:spcBef>
+              <a:buFont typeface="Arial" pitchFamily="34" charset="0"/>
+              <a:buChar char="•"/>
+              <a:defRPr sz="1961" kern="1200">
+                <a:solidFill>
+                  <a:schemeClr val="tx1"/>
+                </a:solidFill>
+                <a:latin typeface="+mn-lt"/>
+                <a:ea typeface="+mn-ea"/>
+                <a:cs typeface="+mn-cs"/>
+              </a:defRPr>
+            </a:lvl9pPr>
+          </a:lstStyle>
+          <a:p>
+            <a:pPr marL="0" indent="0" algn="l">
+              <a:buNone/>
+            </a:pPr>
+            <a:r>
+              <a:rPr lang="es-ES" sz="1800" b="0" i="0" dirty="0">
+                <a:solidFill>
+                  <a:srgbClr val="171717"/>
+                </a:solidFill>
+                <a:effectLst/>
+                <a:latin typeface="Segoe UI" panose="020B0502040204020203" pitchFamily="34" charset="0"/>
+              </a:rPr>
+              <a:t>Las imágenes se pueden agregar al proyecto de aplicación arrastrándolas a la carpeta </a:t>
+            </a:r>
+            <a:r>
+              <a:rPr lang="es-ES" sz="1800" b="0" i="0" dirty="0" err="1">
+                <a:solidFill>
+                  <a:srgbClr val="171717"/>
+                </a:solidFill>
+                <a:effectLst/>
+                <a:latin typeface="Segoe UI" panose="020B0502040204020203" pitchFamily="34" charset="0"/>
+              </a:rPr>
+              <a:t>Resources</a:t>
+            </a:r>
+            <a:r>
+              <a:rPr lang="es-ES" sz="1800" b="0" i="0" dirty="0">
+                <a:solidFill>
+                  <a:srgbClr val="171717"/>
+                </a:solidFill>
+                <a:effectLst/>
+                <a:latin typeface="Segoe UI" panose="020B0502040204020203" pitchFamily="34" charset="0"/>
+              </a:rPr>
+              <a:t>\</a:t>
+            </a:r>
+            <a:r>
+              <a:rPr lang="es-ES" sz="1800" b="0" i="0" dirty="0" err="1">
+                <a:solidFill>
+                  <a:srgbClr val="171717"/>
+                </a:solidFill>
+                <a:effectLst/>
+                <a:latin typeface="Segoe UI" panose="020B0502040204020203" pitchFamily="34" charset="0"/>
+              </a:rPr>
+              <a:t>Images</a:t>
+            </a:r>
+            <a:r>
+              <a:rPr lang="es-ES" sz="1800" b="0" i="0" dirty="0">
+                <a:solidFill>
+                  <a:srgbClr val="171717"/>
+                </a:solidFill>
+                <a:effectLst/>
+                <a:latin typeface="Segoe UI" panose="020B0502040204020203" pitchFamily="34" charset="0"/>
+              </a:rPr>
+              <a:t> del proyecto, donde su acción de compilación se establecerá automáticamente en </a:t>
+            </a:r>
+            <a:r>
+              <a:rPr lang="es-ES" sz="1800" b="1" i="0" dirty="0" err="1">
+                <a:solidFill>
+                  <a:srgbClr val="171717"/>
+                </a:solidFill>
+                <a:effectLst/>
+                <a:latin typeface="Segoe UI" panose="020B0502040204020203" pitchFamily="34" charset="0"/>
+              </a:rPr>
+              <a:t>MauiImage</a:t>
+            </a:r>
+            <a:r>
+              <a:rPr lang="es-ES" sz="1800" b="0" i="0" dirty="0">
+                <a:solidFill>
+                  <a:srgbClr val="171717"/>
+                </a:solidFill>
+                <a:effectLst/>
+                <a:latin typeface="Segoe UI" panose="020B0502040204020203" pitchFamily="34" charset="0"/>
+              </a:rPr>
+              <a:t>. </a:t>
+            </a:r>
+          </a:p>
+          <a:p>
+            <a:pPr marL="0" indent="0" algn="l">
+              <a:buNone/>
+            </a:pPr>
+            <a:endParaRPr lang="es-ES" sz="1800" dirty="0">
+              <a:solidFill>
+                <a:srgbClr val="171717"/>
+              </a:solidFill>
+              <a:latin typeface="Segoe UI" panose="020B0502040204020203" pitchFamily="34" charset="0"/>
+            </a:endParaRPr>
+          </a:p>
+          <a:p>
+            <a:pPr marL="0" indent="0" algn="l">
+              <a:buNone/>
+            </a:pPr>
+            <a:endParaRPr lang="es-ES" sz="1800" dirty="0">
+              <a:solidFill>
+                <a:srgbClr val="171717"/>
+              </a:solidFill>
+              <a:latin typeface="Segoe UI" panose="020B0502040204020203" pitchFamily="34" charset="0"/>
+            </a:endParaRPr>
+          </a:p>
+          <a:p>
+            <a:pPr marL="0" indent="0" algn="l">
+              <a:buNone/>
+            </a:pPr>
+            <a:endParaRPr lang="es-ES" sz="1800" dirty="0">
+              <a:solidFill>
+                <a:srgbClr val="171717"/>
+              </a:solidFill>
+              <a:latin typeface="Segoe UI" panose="020B0502040204020203" pitchFamily="34" charset="0"/>
+            </a:endParaRPr>
+          </a:p>
+          <a:p>
+            <a:pPr marL="0" indent="0" algn="l">
+              <a:buNone/>
+            </a:pPr>
+            <a:r>
+              <a:rPr lang="es-ES" sz="1800" dirty="0">
+                <a:solidFill>
+                  <a:srgbClr val="171717"/>
+                </a:solidFill>
+                <a:latin typeface="Segoe UI" panose="020B0502040204020203" pitchFamily="34" charset="0"/>
+              </a:rPr>
+              <a:t>En tiempo de compilación, las imágenes se pueden cambiar de tamaño a las resoluciones correctas para la plataforma y el dispositivo de destino.</a:t>
+            </a:r>
+          </a:p>
+          <a:p>
+            <a:pPr marL="0" indent="0" algn="l">
+              <a:buNone/>
+            </a:pPr>
+            <a:endParaRPr lang="es-ES" sz="1800" b="0" dirty="0">
+              <a:solidFill>
+                <a:srgbClr val="171717"/>
+              </a:solidFill>
+              <a:effectLst/>
+              <a:latin typeface="Segoe UI" panose="020B0502040204020203" pitchFamily="34" charset="0"/>
+            </a:endParaRPr>
+          </a:p>
+        </p:txBody>
+      </p:sp>
+      <p:sp>
+        <p:nvSpPr>
+          <p:cNvPr id="7" name="TextBox 6">
+            <a:extLst>
+              <a:ext uri="{FF2B5EF4-FFF2-40B4-BE49-F238E27FC236}">
+                <a16:creationId xmlns:a16="http://schemas.microsoft.com/office/drawing/2014/main" id="{3E4031A9-2DBC-43EA-AA01-42490A2750A2}"/>
+              </a:ext>
+            </a:extLst>
+          </p:cNvPr>
+          <p:cNvSpPr txBox="1"/>
+          <p:nvPr/>
+        </p:nvSpPr>
+        <p:spPr>
+          <a:xfrm>
+            <a:off x="457200" y="2854634"/>
+            <a:ext cx="6537488" cy="369332"/>
+          </a:xfrm>
+          <a:prstGeom prst="rect">
+            <a:avLst/>
+          </a:prstGeom>
+          <a:noFill/>
+        </p:spPr>
+        <p:txBody>
+          <a:bodyPr wrap="square">
+            <a:spAutoFit/>
+          </a:bodyPr>
+          <a:lstStyle/>
+          <a:p>
+            <a:r>
+              <a:rPr lang="fr-FR" b="0" i="0" dirty="0">
+                <a:solidFill>
+                  <a:srgbClr val="0101FD"/>
+                </a:solidFill>
+                <a:effectLst/>
+                <a:latin typeface="SFMono-Regular"/>
+              </a:rPr>
+              <a:t>&lt;</a:t>
+            </a:r>
+            <a:r>
+              <a:rPr lang="fr-FR" b="0" i="0" dirty="0" err="1">
+                <a:solidFill>
+                  <a:srgbClr val="0101FD"/>
+                </a:solidFill>
+                <a:effectLst/>
+                <a:latin typeface="SFMono-Regular"/>
+              </a:rPr>
+              <a:t>MauiImage</a:t>
+            </a:r>
+            <a:r>
+              <a:rPr lang="fr-FR" b="0" i="0" dirty="0">
+                <a:solidFill>
+                  <a:srgbClr val="0101FD"/>
+                </a:solidFill>
+                <a:effectLst/>
+                <a:latin typeface="SFMono-Regular"/>
+              </a:rPr>
+              <a:t> </a:t>
+            </a:r>
+            <a:r>
+              <a:rPr lang="fr-FR" b="0" i="0" dirty="0" err="1">
+                <a:solidFill>
+                  <a:srgbClr val="0451A5"/>
+                </a:solidFill>
+                <a:effectLst/>
+                <a:latin typeface="SFMono-Regular"/>
+              </a:rPr>
+              <a:t>Include</a:t>
+            </a:r>
+            <a:r>
+              <a:rPr lang="fr-FR" b="0" i="0" dirty="0">
+                <a:solidFill>
+                  <a:srgbClr val="0101FD"/>
+                </a:solidFill>
+                <a:effectLst/>
+                <a:latin typeface="SFMono-Regular"/>
+              </a:rPr>
+              <a:t>=</a:t>
+            </a:r>
+            <a:r>
+              <a:rPr lang="fr-FR" b="0" i="0" dirty="0">
+                <a:solidFill>
+                  <a:srgbClr val="A31515"/>
+                </a:solidFill>
+                <a:effectLst/>
+                <a:latin typeface="SFMono-Regular"/>
+              </a:rPr>
+              <a:t>"</a:t>
+            </a:r>
+            <a:r>
+              <a:rPr lang="fr-FR" b="0" i="0" dirty="0" err="1">
+                <a:solidFill>
+                  <a:srgbClr val="A31515"/>
+                </a:solidFill>
+                <a:effectLst/>
+                <a:latin typeface="SFMono-Regular"/>
+              </a:rPr>
+              <a:t>Resources</a:t>
+            </a:r>
+            <a:r>
+              <a:rPr lang="fr-FR" b="0" i="0" dirty="0">
+                <a:solidFill>
+                  <a:srgbClr val="A31515"/>
+                </a:solidFill>
+                <a:effectLst/>
+                <a:latin typeface="SFMono-Regular"/>
+              </a:rPr>
+              <a:t>\Images\logo.jpg"</a:t>
+            </a:r>
+            <a:r>
+              <a:rPr lang="fr-FR" b="0" i="0" dirty="0">
+                <a:solidFill>
+                  <a:srgbClr val="0101FD"/>
+                </a:solidFill>
+                <a:effectLst/>
+                <a:latin typeface="SFMono-Regular"/>
+              </a:rPr>
+              <a:t> /&gt;</a:t>
+            </a:r>
+            <a:endParaRPr lang="en-US" dirty="0"/>
+          </a:p>
+        </p:txBody>
+      </p:sp>
+    </p:spTree>
+    <p:extLst>
+      <p:ext uri="{BB962C8B-B14F-4D97-AF65-F5344CB8AC3E}">
+        <p14:creationId xmlns:p14="http://schemas.microsoft.com/office/powerpoint/2010/main" val="836915387"/>
+      </p:ext>
+    </p:extLst>
+  </p:cSld>
+  <p:clrMapOvr>
+    <a:masterClrMapping/>
+  </p:clrMapOvr>
+  <p:transition>
+    <p:fade/>
+  </p:transition>
+</p:sld>
+</file>
+
+<file path=ppt/slides/slide8.xml><?xml version="1.0" encoding="utf-8"?>
+<p:sld xmlns:a="http://schemas.openxmlformats.org/drawingml/2006/main" xmlns:r="http://schemas.openxmlformats.org/officeDocument/2006/relationships" xmlns:p="http://schemas.openxmlformats.org/presentationml/2006/main">
+  <p:cSld>
+    <p:spTree>
+      <p:nvGrpSpPr>
+        <p:cNvPr id="1" name=""/>
+        <p:cNvGrpSpPr/>
+        <p:nvPr/>
+      </p:nvGrpSpPr>
+      <p:grpSpPr>
+        <a:xfrm>
+          <a:off x="0" y="0"/>
+          <a:ext cx="0" cy="0"/>
+          <a:chOff x="0" y="0"/>
+          <a:chExt cx="0" cy="0"/>
+        </a:xfrm>
+      </p:grpSpPr>
+      <p:sp>
+        <p:nvSpPr>
+          <p:cNvPr id="5" name="Title 1">
+            <a:extLst>
+              <a:ext uri="{FF2B5EF4-FFF2-40B4-BE49-F238E27FC236}">
+                <a16:creationId xmlns:a16="http://schemas.microsoft.com/office/drawing/2014/main" id="{01388D49-B47C-45BB-B53B-F6092580BE6E}"/>
+              </a:ext>
+            </a:extLst>
+          </p:cNvPr>
+          <p:cNvSpPr>
+            <a:spLocks noGrp="1"/>
+          </p:cNvSpPr>
+          <p:nvPr>
+            <p:ph type="title"/>
+          </p:nvPr>
+        </p:nvSpPr>
+        <p:spPr>
+          <a:xfrm>
+            <a:off x="457200" y="1123122"/>
+            <a:ext cx="7706412" cy="591378"/>
+          </a:xfrm>
+        </p:spPr>
+        <p:txBody>
+          <a:bodyPr>
+            <a:noAutofit/>
+          </a:bodyPr>
+          <a:lstStyle/>
+          <a:p>
+            <a:r>
+              <a:rPr lang="es-ES" sz="3200" dirty="0">
+                <a:latin typeface="Segoe UI Semibold"/>
+                <a:cs typeface="Segoe UI Semibold"/>
+              </a:rPr>
+              <a:t>Fuentes</a:t>
+            </a:r>
+            <a:endParaRPr lang="en-US" sz="3200" dirty="0"/>
+          </a:p>
+        </p:txBody>
+      </p:sp>
+      <p:sp>
+        <p:nvSpPr>
+          <p:cNvPr id="6" name="Content Placeholder 2">
+            <a:extLst>
+              <a:ext uri="{FF2B5EF4-FFF2-40B4-BE49-F238E27FC236}">
+                <a16:creationId xmlns:a16="http://schemas.microsoft.com/office/drawing/2014/main" id="{AC81F8B9-8203-4DB3-932F-AB15DF79780D}"/>
+              </a:ext>
+            </a:extLst>
+          </p:cNvPr>
+          <p:cNvSpPr txBox="1">
+            <a:spLocks/>
+          </p:cNvSpPr>
+          <p:nvPr/>
+        </p:nvSpPr>
+        <p:spPr>
+          <a:xfrm>
+            <a:off x="457200" y="2142641"/>
+            <a:ext cx="11222610" cy="2467066"/>
+          </a:xfrm>
+          <a:prstGeom prst="rect">
+            <a:avLst/>
+          </a:prstGeom>
+        </p:spPr>
+        <p:txBody>
+          <a:bodyPr vert="horz" lIns="91440" tIns="45720" rIns="91440" bIns="45720" rtlCol="0" anchor="t">
+            <a:noAutofit/>
+          </a:bodyPr>
+          <a:lstStyle>
+            <a:lvl1pPr marL="336145" marR="0" indent="-336145" algn="l" defTabSz="914367" rtl="0" eaLnBrk="1" fontAlgn="auto" latinLnBrk="0" hangingPunct="1">
+              <a:lnSpc>
+                <a:spcPct val="90000"/>
+              </a:lnSpc>
+              <a:spcBef>
+                <a:spcPct val="20000"/>
+              </a:spcBef>
+              <a:spcAft>
+                <a:spcPts val="0"/>
+              </a:spcAft>
+              <a:buClrTx/>
+              <a:buSzPct val="90000"/>
+              <a:buFont typeface="Arial" pitchFamily="34" charset="0"/>
+              <a:buChar char="•"/>
+              <a:tabLst/>
+              <a:defRPr sz="3921" kern="1200" spc="0" baseline="0">
+                <a:gradFill>
+                  <a:gsLst>
+                    <a:gs pos="1250">
+                      <a:schemeClr val="tx1"/>
+                    </a:gs>
+                    <a:gs pos="100000">
+                      <a:schemeClr val="tx1"/>
+                    </a:gs>
+                  </a:gsLst>
+                  <a:lin ang="5400000" scaled="0"/>
+                </a:gradFill>
+                <a:latin typeface="+mj-lt"/>
+                <a:ea typeface="+mn-ea"/>
+                <a:cs typeface="+mn-cs"/>
+              </a:defRPr>
+            </a:lvl1pPr>
+            <a:lvl2pPr marL="572691" marR="0" indent="-236546" algn="l" defTabSz="914367" rtl="0" eaLnBrk="1" fontAlgn="auto" latinLnBrk="0" hangingPunct="1">
+              <a:lnSpc>
+                <a:spcPct val="90000"/>
+              </a:lnSpc>
+              <a:spcBef>
+                <a:spcPct val="20000"/>
+              </a:spcBef>
+              <a:spcAft>
+                <a:spcPts val="0"/>
+              </a:spcAft>
+              <a:buClrTx/>
+              <a:buSzPct val="90000"/>
+              <a:buFont typeface="Arial" pitchFamily="34" charset="0"/>
+              <a:buChar char="•"/>
+              <a:tabLst/>
+              <a:defRPr sz="2353" kern="1200" spc="0" baseline="0">
+                <a:gradFill>
+                  <a:gsLst>
+                    <a:gs pos="1250">
+                      <a:schemeClr val="tx1"/>
+                    </a:gs>
+                    <a:gs pos="100000">
+                      <a:schemeClr val="tx1"/>
+                    </a:gs>
+                  </a:gsLst>
+                  <a:lin ang="5400000" scaled="0"/>
+                </a:gradFill>
+                <a:latin typeface="+mn-lt"/>
+                <a:ea typeface="+mn-ea"/>
+                <a:cs typeface="+mn-cs"/>
+              </a:defRPr>
+            </a:lvl2pPr>
+            <a:lvl3pPr marL="784338" marR="0" indent="-224097" algn="l" defTabSz="914367" rtl="0" eaLnBrk="1" fontAlgn="auto" latinLnBrk="0" hangingPunct="1">
+              <a:lnSpc>
+                <a:spcPct val="90000"/>
+              </a:lnSpc>
+              <a:spcBef>
+                <a:spcPct val="20000"/>
+              </a:spcBef>
+              <a:spcAft>
+                <a:spcPts val="0"/>
+              </a:spcAft>
+              <a:buClrTx/>
+              <a:buSzPct val="90000"/>
+              <a:buFont typeface="Arial" pitchFamily="34" charset="0"/>
+              <a:buChar char="•"/>
+              <a:tabLst/>
+              <a:defRPr sz="1961" kern="1200" spc="0" baseline="0">
+                <a:gradFill>
+                  <a:gsLst>
+                    <a:gs pos="1250">
+                      <a:schemeClr val="tx1"/>
+                    </a:gs>
+                    <a:gs pos="100000">
+                      <a:schemeClr val="tx1"/>
+                    </a:gs>
+                  </a:gsLst>
+                  <a:lin ang="5400000" scaled="0"/>
+                </a:gradFill>
+                <a:latin typeface="+mn-lt"/>
+                <a:ea typeface="+mn-ea"/>
+                <a:cs typeface="+mn-cs"/>
+              </a:defRPr>
+            </a:lvl3pPr>
+            <a:lvl4pPr marL="1008435" marR="0" indent="-224097" algn="l" defTabSz="914367" rtl="0" eaLnBrk="1" fontAlgn="auto" latinLnBrk="0" hangingPunct="1">
+              <a:lnSpc>
+                <a:spcPct val="90000"/>
+              </a:lnSpc>
+              <a:spcBef>
+                <a:spcPct val="20000"/>
+              </a:spcBef>
+              <a:spcAft>
+                <a:spcPts val="0"/>
+              </a:spcAft>
+              <a:buClrTx/>
+              <a:buSzPct val="90000"/>
+              <a:buFont typeface="Arial" pitchFamily="34" charset="0"/>
+              <a:buChar char="•"/>
+              <a:tabLst/>
+              <a:defRPr sz="1765" kern="1200" spc="0" baseline="0">
+                <a:gradFill>
+                  <a:gsLst>
+                    <a:gs pos="1250">
+                      <a:schemeClr val="tx1"/>
+                    </a:gs>
+                    <a:gs pos="100000">
+                      <a:schemeClr val="tx1"/>
+                    </a:gs>
+                  </a:gsLst>
+                  <a:lin ang="5400000" scaled="0"/>
+                </a:gradFill>
+                <a:latin typeface="+mn-lt"/>
+                <a:ea typeface="+mn-ea"/>
+                <a:cs typeface="+mn-cs"/>
+              </a:defRPr>
+            </a:lvl4pPr>
+            <a:lvl5pPr marL="1232531" marR="0" indent="-224097" algn="l" defTabSz="914367" rtl="0" eaLnBrk="1" fontAlgn="auto" latinLnBrk="0" hangingPunct="1">
+              <a:lnSpc>
+                <a:spcPct val="90000"/>
+              </a:lnSpc>
+              <a:spcBef>
+                <a:spcPct val="20000"/>
+              </a:spcBef>
+              <a:spcAft>
+                <a:spcPts val="0"/>
+              </a:spcAft>
+              <a:buClrTx/>
+              <a:buSzPct val="90000"/>
+              <a:buFont typeface="Arial" pitchFamily="34" charset="0"/>
+              <a:buChar char="•"/>
+              <a:tabLst/>
+              <a:defRPr sz="1765" kern="1200" spc="0" baseline="0">
+                <a:gradFill>
+                  <a:gsLst>
+                    <a:gs pos="1250">
+                      <a:schemeClr val="tx1"/>
+                    </a:gs>
+                    <a:gs pos="100000">
+                      <a:schemeClr val="tx1"/>
+                    </a:gs>
+                  </a:gsLst>
+                  <a:lin ang="5400000" scaled="0"/>
+                </a:gradFill>
+                <a:latin typeface="+mn-lt"/>
+                <a:ea typeface="+mn-ea"/>
+                <a:cs typeface="+mn-cs"/>
+              </a:defRPr>
+            </a:lvl5pPr>
+            <a:lvl6pPr marL="2514509" indent="-228592" algn="l" defTabSz="914367" rtl="0" eaLnBrk="1" latinLnBrk="0" hangingPunct="1">
+              <a:spcBef>
+                <a:spcPct val="20000"/>
+              </a:spcBef>
+              <a:buFont typeface="Arial" pitchFamily="34" charset="0"/>
+              <a:buChar char="•"/>
+              <a:defRPr sz="1961" kern="1200">
+                <a:solidFill>
+                  <a:schemeClr val="tx1"/>
+                </a:solidFill>
+                <a:latin typeface="+mn-lt"/>
+                <a:ea typeface="+mn-ea"/>
+                <a:cs typeface="+mn-cs"/>
+              </a:defRPr>
+            </a:lvl6pPr>
+            <a:lvl7pPr marL="2971693" indent="-228592" algn="l" defTabSz="914367" rtl="0" eaLnBrk="1" latinLnBrk="0" hangingPunct="1">
+              <a:spcBef>
+                <a:spcPct val="20000"/>
+              </a:spcBef>
+              <a:buFont typeface="Arial" pitchFamily="34" charset="0"/>
+              <a:buChar char="•"/>
+              <a:defRPr sz="1961" kern="1200">
+                <a:solidFill>
+                  <a:schemeClr val="tx1"/>
+                </a:solidFill>
+                <a:latin typeface="+mn-lt"/>
+                <a:ea typeface="+mn-ea"/>
+                <a:cs typeface="+mn-cs"/>
+              </a:defRPr>
+            </a:lvl7pPr>
+            <a:lvl8pPr marL="3428877" indent="-228592" algn="l" defTabSz="914367" rtl="0" eaLnBrk="1" latinLnBrk="0" hangingPunct="1">
+              <a:spcBef>
+                <a:spcPct val="20000"/>
+              </a:spcBef>
+              <a:buFont typeface="Arial" pitchFamily="34" charset="0"/>
+              <a:buChar char="•"/>
+              <a:defRPr sz="1961" kern="1200">
+                <a:solidFill>
+                  <a:schemeClr val="tx1"/>
+                </a:solidFill>
+                <a:latin typeface="+mn-lt"/>
+                <a:ea typeface="+mn-ea"/>
+                <a:cs typeface="+mn-cs"/>
+              </a:defRPr>
+            </a:lvl8pPr>
+            <a:lvl9pPr marL="3886061" indent="-228592" algn="l" defTabSz="914367" rtl="0" eaLnBrk="1" latinLnBrk="0" hangingPunct="1">
+              <a:spcBef>
+                <a:spcPct val="20000"/>
+              </a:spcBef>
+              <a:buFont typeface="Arial" pitchFamily="34" charset="0"/>
+              <a:buChar char="•"/>
+              <a:defRPr sz="1961" kern="1200">
+                <a:solidFill>
+                  <a:schemeClr val="tx1"/>
+                </a:solidFill>
+                <a:latin typeface="+mn-lt"/>
+                <a:ea typeface="+mn-ea"/>
+                <a:cs typeface="+mn-cs"/>
+              </a:defRPr>
+            </a:lvl9pPr>
+          </a:lstStyle>
+          <a:p>
+            <a:pPr marL="0" indent="0" algn="l">
+              <a:buNone/>
+            </a:pPr>
+            <a:r>
+              <a:rPr lang="es-ES" sz="1800" b="0" i="0" dirty="0">
+                <a:solidFill>
+                  <a:srgbClr val="171717"/>
+                </a:solidFill>
+                <a:effectLst/>
+                <a:latin typeface="Segoe UI" panose="020B0502040204020203" pitchFamily="34" charset="0"/>
+              </a:rPr>
+              <a:t>Las fuentes de formato de tipo true (TTF) y fuente de tipo abierto (OTF) se pueden agregar al proyecto de aplicación arrastrándolas a la carpeta </a:t>
+            </a:r>
+            <a:r>
+              <a:rPr lang="es-ES" sz="1800" b="0" i="0" dirty="0" err="1">
+                <a:solidFill>
+                  <a:srgbClr val="171717"/>
+                </a:solidFill>
+                <a:effectLst/>
+                <a:latin typeface="Segoe UI" panose="020B0502040204020203" pitchFamily="34" charset="0"/>
+              </a:rPr>
+              <a:t>Resources</a:t>
+            </a:r>
+            <a:r>
+              <a:rPr lang="es-ES" sz="1800" b="0" i="0" dirty="0">
+                <a:solidFill>
+                  <a:srgbClr val="171717"/>
+                </a:solidFill>
+                <a:effectLst/>
+                <a:latin typeface="Segoe UI" panose="020B0502040204020203" pitchFamily="34" charset="0"/>
+              </a:rPr>
+              <a:t>\</a:t>
+            </a:r>
+            <a:r>
+              <a:rPr lang="es-ES" sz="1800" b="0" i="0" dirty="0" err="1">
+                <a:solidFill>
+                  <a:srgbClr val="171717"/>
+                </a:solidFill>
+                <a:effectLst/>
+                <a:latin typeface="Segoe UI" panose="020B0502040204020203" pitchFamily="34" charset="0"/>
+              </a:rPr>
+              <a:t>Fonts</a:t>
+            </a:r>
+            <a:r>
+              <a:rPr lang="es-ES" sz="1800" b="0" i="0" dirty="0">
+                <a:solidFill>
+                  <a:srgbClr val="171717"/>
+                </a:solidFill>
+                <a:effectLst/>
+                <a:latin typeface="Segoe UI" panose="020B0502040204020203" pitchFamily="34" charset="0"/>
+              </a:rPr>
+              <a:t> del proyecto y estableciendo su acción de compilación en </a:t>
+            </a:r>
+            <a:r>
+              <a:rPr lang="es-ES" sz="1800" b="1" i="0" dirty="0" err="1">
+                <a:solidFill>
+                  <a:srgbClr val="171717"/>
+                </a:solidFill>
+                <a:effectLst/>
+                <a:latin typeface="Segoe UI" panose="020B0502040204020203" pitchFamily="34" charset="0"/>
+              </a:rPr>
+              <a:t>MauiFont</a:t>
+            </a:r>
+            <a:r>
+              <a:rPr lang="es-ES" sz="1800" b="0" i="0" dirty="0">
+                <a:solidFill>
+                  <a:srgbClr val="171717"/>
+                </a:solidFill>
+                <a:effectLst/>
+                <a:latin typeface="Segoe UI" panose="020B0502040204020203" pitchFamily="34" charset="0"/>
+              </a:rPr>
+              <a:t> en la ventana Propiedades.</a:t>
+            </a:r>
+          </a:p>
+          <a:p>
+            <a:pPr marL="0" indent="0" algn="l">
+              <a:buNone/>
+            </a:pPr>
+            <a:endParaRPr lang="es-ES" sz="1800" dirty="0">
+              <a:solidFill>
+                <a:srgbClr val="171717"/>
+              </a:solidFill>
+              <a:latin typeface="Segoe UI" panose="020B0502040204020203" pitchFamily="34" charset="0"/>
+            </a:endParaRPr>
+          </a:p>
+          <a:p>
+            <a:pPr marL="0" indent="0" algn="l">
+              <a:buNone/>
+            </a:pPr>
+            <a:endParaRPr lang="es-ES" sz="1800" dirty="0">
+              <a:solidFill>
+                <a:srgbClr val="171717"/>
+              </a:solidFill>
+              <a:latin typeface="Segoe UI" panose="020B0502040204020203" pitchFamily="34" charset="0"/>
+            </a:endParaRPr>
+          </a:p>
+          <a:p>
+            <a:pPr marL="0" indent="0" algn="l">
+              <a:buNone/>
+            </a:pPr>
+            <a:endParaRPr lang="es-ES" sz="1800" dirty="0">
+              <a:solidFill>
+                <a:srgbClr val="171717"/>
+              </a:solidFill>
+              <a:latin typeface="Segoe UI" panose="020B0502040204020203" pitchFamily="34" charset="0"/>
+            </a:endParaRPr>
+          </a:p>
+          <a:p>
+            <a:pPr marL="0" indent="0" algn="l">
+              <a:buNone/>
+            </a:pPr>
+            <a:r>
+              <a:rPr lang="es-ES" sz="1800" dirty="0">
+                <a:solidFill>
+                  <a:srgbClr val="171717"/>
+                </a:solidFill>
+                <a:latin typeface="Segoe UI" panose="020B0502040204020203" pitchFamily="34" charset="0"/>
+              </a:rPr>
+              <a:t>En tiempo de compilación, las fuentes se copian en el paquete de la aplicación.</a:t>
+            </a:r>
+          </a:p>
+        </p:txBody>
+      </p:sp>
+      <p:sp>
+        <p:nvSpPr>
+          <p:cNvPr id="8" name="TextBox 7">
+            <a:extLst>
+              <a:ext uri="{FF2B5EF4-FFF2-40B4-BE49-F238E27FC236}">
+                <a16:creationId xmlns:a16="http://schemas.microsoft.com/office/drawing/2014/main" id="{D84C197A-7AEA-4622-9BBF-6999045B8FE3}"/>
+              </a:ext>
+            </a:extLst>
+          </p:cNvPr>
+          <p:cNvSpPr txBox="1"/>
+          <p:nvPr/>
+        </p:nvSpPr>
+        <p:spPr>
+          <a:xfrm>
+            <a:off x="512190" y="3244334"/>
+            <a:ext cx="6537488" cy="369332"/>
+          </a:xfrm>
+          <a:prstGeom prst="rect">
+            <a:avLst/>
+          </a:prstGeom>
+          <a:noFill/>
+        </p:spPr>
+        <p:txBody>
+          <a:bodyPr wrap="square">
+            <a:spAutoFit/>
+          </a:bodyPr>
+          <a:lstStyle/>
+          <a:p>
+            <a:r>
+              <a:rPr lang="fr-FR" b="0" i="0" dirty="0">
+                <a:solidFill>
+                  <a:srgbClr val="0101FD"/>
+                </a:solidFill>
+                <a:effectLst/>
+                <a:latin typeface="SFMono-Regular"/>
+              </a:rPr>
+              <a:t>&lt;</a:t>
+            </a:r>
+            <a:r>
+              <a:rPr lang="fr-FR" b="0" i="0" dirty="0" err="1">
+                <a:solidFill>
+                  <a:srgbClr val="0101FD"/>
+                </a:solidFill>
+                <a:effectLst/>
+                <a:latin typeface="SFMono-Regular"/>
+              </a:rPr>
+              <a:t>MauiFont</a:t>
+            </a:r>
+            <a:r>
+              <a:rPr lang="fr-FR" b="0" i="0" dirty="0">
+                <a:solidFill>
+                  <a:srgbClr val="0101FD"/>
+                </a:solidFill>
+                <a:effectLst/>
+                <a:latin typeface="SFMono-Regular"/>
+              </a:rPr>
+              <a:t> </a:t>
+            </a:r>
+            <a:r>
+              <a:rPr lang="fr-FR" b="0" i="0" dirty="0" err="1">
+                <a:solidFill>
+                  <a:srgbClr val="0451A5"/>
+                </a:solidFill>
+                <a:effectLst/>
+                <a:latin typeface="SFMono-Regular"/>
+              </a:rPr>
+              <a:t>Include</a:t>
+            </a:r>
+            <a:r>
+              <a:rPr lang="fr-FR" b="0" i="0" dirty="0">
+                <a:solidFill>
+                  <a:srgbClr val="0101FD"/>
+                </a:solidFill>
+                <a:effectLst/>
+                <a:latin typeface="SFMono-Regular"/>
+              </a:rPr>
+              <a:t>=</a:t>
+            </a:r>
+            <a:r>
+              <a:rPr lang="fr-FR" b="0" i="0" dirty="0">
+                <a:solidFill>
+                  <a:srgbClr val="A31515"/>
+                </a:solidFill>
+                <a:effectLst/>
+                <a:latin typeface="SFMono-Regular"/>
+              </a:rPr>
+              <a:t>"</a:t>
+            </a:r>
+            <a:r>
+              <a:rPr lang="fr-FR" b="0" i="0" dirty="0" err="1">
+                <a:solidFill>
+                  <a:srgbClr val="A31515"/>
+                </a:solidFill>
+                <a:effectLst/>
+                <a:latin typeface="SFMono-Regular"/>
+              </a:rPr>
+              <a:t>Resources</a:t>
+            </a:r>
+            <a:r>
+              <a:rPr lang="fr-FR" b="0" i="0" dirty="0">
+                <a:solidFill>
+                  <a:srgbClr val="A31515"/>
+                </a:solidFill>
+                <a:effectLst/>
+                <a:latin typeface="SFMono-Regular"/>
+              </a:rPr>
+              <a:t>\Fonts\OpenSans-Regular.ttf"</a:t>
+            </a:r>
+            <a:r>
+              <a:rPr lang="fr-FR" b="0" i="0" dirty="0">
+                <a:solidFill>
+                  <a:srgbClr val="0101FD"/>
+                </a:solidFill>
+                <a:effectLst/>
+                <a:latin typeface="SFMono-Regular"/>
+              </a:rPr>
+              <a:t> /&gt;</a:t>
+            </a:r>
+            <a:endParaRPr lang="en-US" dirty="0"/>
+          </a:p>
+        </p:txBody>
+      </p:sp>
+    </p:spTree>
+    <p:extLst>
+      <p:ext uri="{BB962C8B-B14F-4D97-AF65-F5344CB8AC3E}">
+        <p14:creationId xmlns:p14="http://schemas.microsoft.com/office/powerpoint/2010/main" val="460952079"/>
+      </p:ext>
+    </p:extLst>
+  </p:cSld>
+  <p:clrMapOvr>
+    <a:masterClrMapping/>
+  </p:clrMapOvr>
+  <p:transition>
+    <p:fade/>
+  </p:transition>
+</p:sld>
+</file>
+
+<file path=ppt/slides/slide9.xml><?xml version="1.0" encoding="utf-8"?>
+<p:sld xmlns:a="http://schemas.openxmlformats.org/drawingml/2006/main" xmlns:r="http://schemas.openxmlformats.org/officeDocument/2006/relationships" xmlns:p="http://schemas.openxmlformats.org/presentationml/2006/main">
+  <p:cSld>
+    <p:spTree>
+      <p:nvGrpSpPr>
+        <p:cNvPr id="1" name=""/>
+        <p:cNvGrpSpPr/>
+        <p:nvPr/>
+      </p:nvGrpSpPr>
+      <p:grpSpPr>
+        <a:xfrm>
+          <a:off x="0" y="0"/>
+          <a:ext cx="0" cy="0"/>
+          <a:chOff x="0" y="0"/>
+          <a:chExt cx="0" cy="0"/>
+        </a:xfrm>
+      </p:grpSpPr>
+      <p:sp>
+        <p:nvSpPr>
+          <p:cNvPr id="5" name="Title 1">
+            <a:extLst>
+              <a:ext uri="{FF2B5EF4-FFF2-40B4-BE49-F238E27FC236}">
+                <a16:creationId xmlns:a16="http://schemas.microsoft.com/office/drawing/2014/main" id="{01388D49-B47C-45BB-B53B-F6092580BE6E}"/>
+              </a:ext>
+            </a:extLst>
+          </p:cNvPr>
+          <p:cNvSpPr>
+            <a:spLocks noGrp="1"/>
+          </p:cNvSpPr>
+          <p:nvPr>
+            <p:ph type="title"/>
+          </p:nvPr>
+        </p:nvSpPr>
+        <p:spPr>
+          <a:xfrm>
+            <a:off x="457200" y="1123122"/>
+            <a:ext cx="7706412" cy="591378"/>
+          </a:xfrm>
+        </p:spPr>
+        <p:txBody>
+          <a:bodyPr>
+            <a:noAutofit/>
+          </a:bodyPr>
+          <a:lstStyle/>
+          <a:p>
+            <a:r>
+              <a:rPr lang="es-ES" sz="3200" dirty="0">
+                <a:latin typeface="Segoe UI Semibold"/>
+                <a:cs typeface="Segoe UI Semibold"/>
+              </a:rPr>
+              <a:t>Archivos sin procesar</a:t>
+            </a:r>
+            <a:endParaRPr lang="en-US" sz="3200" dirty="0"/>
+          </a:p>
+        </p:txBody>
+      </p:sp>
+      <p:sp>
+        <p:nvSpPr>
+          <p:cNvPr id="6" name="Content Placeholder 2">
+            <a:extLst>
+              <a:ext uri="{FF2B5EF4-FFF2-40B4-BE49-F238E27FC236}">
+                <a16:creationId xmlns:a16="http://schemas.microsoft.com/office/drawing/2014/main" id="{AC81F8B9-8203-4DB3-932F-AB15DF79780D}"/>
+              </a:ext>
+            </a:extLst>
+          </p:cNvPr>
+          <p:cNvSpPr txBox="1">
+            <a:spLocks/>
+          </p:cNvSpPr>
+          <p:nvPr/>
+        </p:nvSpPr>
+        <p:spPr>
+          <a:xfrm>
+            <a:off x="457200" y="2142641"/>
+            <a:ext cx="11222610" cy="2269103"/>
+          </a:xfrm>
+          <a:prstGeom prst="rect">
+            <a:avLst/>
+          </a:prstGeom>
+        </p:spPr>
+        <p:txBody>
+          <a:bodyPr vert="horz" lIns="91440" tIns="45720" rIns="91440" bIns="45720" rtlCol="0" anchor="t">
+            <a:noAutofit/>
+          </a:bodyPr>
+          <a:lstStyle>
+            <a:lvl1pPr marL="336145" marR="0" indent="-336145" algn="l" defTabSz="914367" rtl="0" eaLnBrk="1" fontAlgn="auto" latinLnBrk="0" hangingPunct="1">
+              <a:lnSpc>
+                <a:spcPct val="90000"/>
+              </a:lnSpc>
+              <a:spcBef>
+                <a:spcPct val="20000"/>
+              </a:spcBef>
+              <a:spcAft>
+                <a:spcPts val="0"/>
+              </a:spcAft>
+              <a:buClrTx/>
+              <a:buSzPct val="90000"/>
+              <a:buFont typeface="Arial" pitchFamily="34" charset="0"/>
+              <a:buChar char="•"/>
+              <a:tabLst/>
+              <a:defRPr sz="3921" kern="1200" spc="0" baseline="0">
+                <a:gradFill>
+                  <a:gsLst>
+                    <a:gs pos="1250">
+                      <a:schemeClr val="tx1"/>
+                    </a:gs>
+                    <a:gs pos="100000">
+                      <a:schemeClr val="tx1"/>
+                    </a:gs>
+                  </a:gsLst>
+                  <a:lin ang="5400000" scaled="0"/>
+                </a:gradFill>
+                <a:latin typeface="+mj-lt"/>
+                <a:ea typeface="+mn-ea"/>
+                <a:cs typeface="+mn-cs"/>
+              </a:defRPr>
+            </a:lvl1pPr>
+            <a:lvl2pPr marL="572691" marR="0" indent="-236546" algn="l" defTabSz="914367" rtl="0" eaLnBrk="1" fontAlgn="auto" latinLnBrk="0" hangingPunct="1">
+              <a:lnSpc>
+                <a:spcPct val="90000"/>
+              </a:lnSpc>
+              <a:spcBef>
+                <a:spcPct val="20000"/>
+              </a:spcBef>
+              <a:spcAft>
+                <a:spcPts val="0"/>
+              </a:spcAft>
+              <a:buClrTx/>
+              <a:buSzPct val="90000"/>
+              <a:buFont typeface="Arial" pitchFamily="34" charset="0"/>
+              <a:buChar char="•"/>
+              <a:tabLst/>
+              <a:defRPr sz="2353" kern="1200" spc="0" baseline="0">
+                <a:gradFill>
+                  <a:gsLst>
+                    <a:gs pos="1250">
+                      <a:schemeClr val="tx1"/>
+                    </a:gs>
+                    <a:gs pos="100000">
+                      <a:schemeClr val="tx1"/>
+                    </a:gs>
+                  </a:gsLst>
+                  <a:lin ang="5400000" scaled="0"/>
+                </a:gradFill>
+                <a:latin typeface="+mn-lt"/>
+                <a:ea typeface="+mn-ea"/>
+                <a:cs typeface="+mn-cs"/>
+              </a:defRPr>
+            </a:lvl2pPr>
+            <a:lvl3pPr marL="784338" marR="0" indent="-224097" algn="l" defTabSz="914367" rtl="0" eaLnBrk="1" fontAlgn="auto" latinLnBrk="0" hangingPunct="1">
+              <a:lnSpc>
+                <a:spcPct val="90000"/>
+              </a:lnSpc>
+              <a:spcBef>
+                <a:spcPct val="20000"/>
+              </a:spcBef>
+              <a:spcAft>
+                <a:spcPts val="0"/>
+              </a:spcAft>
+              <a:buClrTx/>
+              <a:buSzPct val="90000"/>
+              <a:buFont typeface="Arial" pitchFamily="34" charset="0"/>
+              <a:buChar char="•"/>
+              <a:tabLst/>
+              <a:defRPr sz="1961" kern="1200" spc="0" baseline="0">
+                <a:gradFill>
+                  <a:gsLst>
+                    <a:gs pos="1250">
+                      <a:schemeClr val="tx1"/>
+                    </a:gs>
+                    <a:gs pos="100000">
+                      <a:schemeClr val="tx1"/>
+                    </a:gs>
+                  </a:gsLst>
+                  <a:lin ang="5400000" scaled="0"/>
+                </a:gradFill>
+                <a:latin typeface="+mn-lt"/>
+                <a:ea typeface="+mn-ea"/>
+                <a:cs typeface="+mn-cs"/>
+              </a:defRPr>
+            </a:lvl3pPr>
+            <a:lvl4pPr marL="1008435" marR="0" indent="-224097" algn="l" defTabSz="914367" rtl="0" eaLnBrk="1" fontAlgn="auto" latinLnBrk="0" hangingPunct="1">
+              <a:lnSpc>
+                <a:spcPct val="90000"/>
+              </a:lnSpc>
+              <a:spcBef>
+                <a:spcPct val="20000"/>
+              </a:spcBef>
+              <a:spcAft>
+                <a:spcPts val="0"/>
+              </a:spcAft>
+              <a:buClrTx/>
+              <a:buSzPct val="90000"/>
+              <a:buFont typeface="Arial" pitchFamily="34" charset="0"/>
+              <a:buChar char="•"/>
+              <a:tabLst/>
+              <a:defRPr sz="1765" kern="1200" spc="0" baseline="0">
+                <a:gradFill>
+                  <a:gsLst>
+                    <a:gs pos="1250">
+                      <a:schemeClr val="tx1"/>
+                    </a:gs>
+                    <a:gs pos="100000">
+                      <a:schemeClr val="tx1"/>
+                    </a:gs>
+                  </a:gsLst>
+                  <a:lin ang="5400000" scaled="0"/>
+                </a:gradFill>
+                <a:latin typeface="+mn-lt"/>
+                <a:ea typeface="+mn-ea"/>
+                <a:cs typeface="+mn-cs"/>
+              </a:defRPr>
+            </a:lvl4pPr>
+            <a:lvl5pPr marL="1232531" marR="0" indent="-224097" algn="l" defTabSz="914367" rtl="0" eaLnBrk="1" fontAlgn="auto" latinLnBrk="0" hangingPunct="1">
+              <a:lnSpc>
+                <a:spcPct val="90000"/>
+              </a:lnSpc>
+              <a:spcBef>
+                <a:spcPct val="20000"/>
+              </a:spcBef>
+              <a:spcAft>
+                <a:spcPts val="0"/>
+              </a:spcAft>
+              <a:buClrTx/>
+              <a:buSzPct val="90000"/>
+              <a:buFont typeface="Arial" pitchFamily="34" charset="0"/>
+              <a:buChar char="•"/>
+              <a:tabLst/>
+              <a:defRPr sz="1765" kern="1200" spc="0" baseline="0">
+                <a:gradFill>
+                  <a:gsLst>
+                    <a:gs pos="1250">
+                      <a:schemeClr val="tx1"/>
+                    </a:gs>
+                    <a:gs pos="100000">
+                      <a:schemeClr val="tx1"/>
+                    </a:gs>
+                  </a:gsLst>
+                  <a:lin ang="5400000" scaled="0"/>
+                </a:gradFill>
+                <a:latin typeface="+mn-lt"/>
+                <a:ea typeface="+mn-ea"/>
+                <a:cs typeface="+mn-cs"/>
+              </a:defRPr>
+            </a:lvl5pPr>
+            <a:lvl6pPr marL="2514509" indent="-228592" algn="l" defTabSz="914367" rtl="0" eaLnBrk="1" latinLnBrk="0" hangingPunct="1">
+              <a:spcBef>
+                <a:spcPct val="20000"/>
+              </a:spcBef>
+              <a:buFont typeface="Arial" pitchFamily="34" charset="0"/>
+              <a:buChar char="•"/>
+              <a:defRPr sz="1961" kern="1200">
+                <a:solidFill>
+                  <a:schemeClr val="tx1"/>
+                </a:solidFill>
+                <a:latin typeface="+mn-lt"/>
+                <a:ea typeface="+mn-ea"/>
+                <a:cs typeface="+mn-cs"/>
+              </a:defRPr>
+            </a:lvl6pPr>
+            <a:lvl7pPr marL="2971693" indent="-228592" algn="l" defTabSz="914367" rtl="0" eaLnBrk="1" latinLnBrk="0" hangingPunct="1">
+              <a:spcBef>
+                <a:spcPct val="20000"/>
+              </a:spcBef>
+              <a:buFont typeface="Arial" pitchFamily="34" charset="0"/>
+              <a:buChar char="•"/>
+              <a:defRPr sz="1961" kern="1200">
+                <a:solidFill>
+                  <a:schemeClr val="tx1"/>
+                </a:solidFill>
+                <a:latin typeface="+mn-lt"/>
+                <a:ea typeface="+mn-ea"/>
+                <a:cs typeface="+mn-cs"/>
+              </a:defRPr>
+            </a:lvl7pPr>
+            <a:lvl8pPr marL="3428877" indent="-228592" algn="l" defTabSz="914367" rtl="0" eaLnBrk="1" latinLnBrk="0" hangingPunct="1">
+              <a:spcBef>
+                <a:spcPct val="20000"/>
+              </a:spcBef>
+              <a:buFont typeface="Arial" pitchFamily="34" charset="0"/>
+              <a:buChar char="•"/>
+              <a:defRPr sz="1961" kern="1200">
+                <a:solidFill>
+                  <a:schemeClr val="tx1"/>
+                </a:solidFill>
+                <a:latin typeface="+mn-lt"/>
+                <a:ea typeface="+mn-ea"/>
+                <a:cs typeface="+mn-cs"/>
+              </a:defRPr>
+            </a:lvl8pPr>
+            <a:lvl9pPr marL="3886061" indent="-228592" algn="l" defTabSz="914367" rtl="0" eaLnBrk="1" latinLnBrk="0" hangingPunct="1">
+              <a:spcBef>
+                <a:spcPct val="20000"/>
+              </a:spcBef>
+              <a:buFont typeface="Arial" pitchFamily="34" charset="0"/>
+              <a:buChar char="•"/>
+              <a:defRPr sz="1961" kern="1200">
+                <a:solidFill>
+                  <a:schemeClr val="tx1"/>
+                </a:solidFill>
+                <a:latin typeface="+mn-lt"/>
+                <a:ea typeface="+mn-ea"/>
+                <a:cs typeface="+mn-cs"/>
+              </a:defRPr>
+            </a:lvl9pPr>
+          </a:lstStyle>
+          <a:p>
+            <a:pPr marL="0" indent="0" algn="l">
+              <a:buNone/>
+            </a:pPr>
+            <a:r>
+              <a:rPr lang="es-ES" sz="1800" b="0" i="0" dirty="0">
+                <a:solidFill>
+                  <a:srgbClr val="171717"/>
+                </a:solidFill>
+                <a:effectLst/>
+                <a:latin typeface="Segoe UI" panose="020B0502040204020203" pitchFamily="34" charset="0"/>
+              </a:rPr>
+              <a:t>Los archivos de recursos sin procesar, como HTML, JSON y vídeos, se pueden agregar al proyecto de aplicación arrastrándolos a la carpeta </a:t>
+            </a:r>
+            <a:r>
+              <a:rPr lang="es-ES" sz="1800" b="0" i="0" dirty="0" err="1">
+                <a:solidFill>
+                  <a:srgbClr val="171717"/>
+                </a:solidFill>
+                <a:effectLst/>
+                <a:latin typeface="Segoe UI" panose="020B0502040204020203" pitchFamily="34" charset="0"/>
+              </a:rPr>
+              <a:t>Resources</a:t>
+            </a:r>
+            <a:r>
+              <a:rPr lang="es-ES" sz="1800" b="0" i="0" dirty="0">
+                <a:solidFill>
+                  <a:srgbClr val="171717"/>
+                </a:solidFill>
+                <a:effectLst/>
+                <a:latin typeface="Segoe UI" panose="020B0502040204020203" pitchFamily="34" charset="0"/>
+              </a:rPr>
+              <a:t> del proyecto (o una subcarpeta, como </a:t>
+            </a:r>
+            <a:r>
+              <a:rPr lang="es-ES" sz="1800" b="0" i="0" dirty="0" err="1">
+                <a:solidFill>
+                  <a:srgbClr val="171717"/>
+                </a:solidFill>
+                <a:effectLst/>
+                <a:latin typeface="Segoe UI" panose="020B0502040204020203" pitchFamily="34" charset="0"/>
+              </a:rPr>
+              <a:t>Resources</a:t>
+            </a:r>
+            <a:r>
+              <a:rPr lang="es-ES" sz="1800" b="0" i="0" dirty="0">
+                <a:solidFill>
+                  <a:srgbClr val="171717"/>
+                </a:solidFill>
+                <a:effectLst/>
+                <a:latin typeface="Segoe UI" panose="020B0502040204020203" pitchFamily="34" charset="0"/>
+              </a:rPr>
+              <a:t>\Raw) y estableciendo su acción </a:t>
+            </a:r>
+            <a:r>
+              <a:rPr lang="es-ES" sz="1800" b="1" i="0" dirty="0" err="1">
+                <a:solidFill>
+                  <a:srgbClr val="171717"/>
+                </a:solidFill>
+                <a:effectLst/>
+                <a:latin typeface="Segoe UI" panose="020B0502040204020203" pitchFamily="34" charset="0"/>
+              </a:rPr>
+              <a:t>MauiAsset</a:t>
+            </a:r>
+            <a:r>
+              <a:rPr lang="es-ES" sz="1800" b="0" i="0" dirty="0">
+                <a:solidFill>
+                  <a:srgbClr val="171717"/>
+                </a:solidFill>
+                <a:effectLst/>
+                <a:latin typeface="Segoe UI" panose="020B0502040204020203" pitchFamily="34" charset="0"/>
+              </a:rPr>
+              <a:t> de compilación en </a:t>
+            </a:r>
+            <a:r>
+              <a:rPr lang="es-ES" sz="1800" b="0" i="0" dirty="0" err="1">
+                <a:solidFill>
+                  <a:srgbClr val="171717"/>
+                </a:solidFill>
+                <a:effectLst/>
+                <a:latin typeface="Segoe UI" panose="020B0502040204020203" pitchFamily="34" charset="0"/>
+              </a:rPr>
+              <a:t>en</a:t>
+            </a:r>
+            <a:r>
+              <a:rPr lang="es-ES" sz="1800" b="0" i="0" dirty="0">
+                <a:solidFill>
+                  <a:srgbClr val="171717"/>
+                </a:solidFill>
+                <a:effectLst/>
+                <a:latin typeface="Segoe UI" panose="020B0502040204020203" pitchFamily="34" charset="0"/>
+              </a:rPr>
+              <a:t> la ventana Propiedades</a:t>
+            </a:r>
+            <a:r>
+              <a:rPr lang="es-ES" sz="1800" dirty="0">
+                <a:solidFill>
+                  <a:srgbClr val="171717"/>
+                </a:solidFill>
+                <a:latin typeface="Segoe UI" panose="020B0502040204020203" pitchFamily="34" charset="0"/>
+              </a:rPr>
+              <a:t>.</a:t>
+            </a:r>
+          </a:p>
+          <a:p>
+            <a:pPr marL="0" indent="0" algn="l">
+              <a:buNone/>
+            </a:pPr>
+            <a:endParaRPr lang="es-ES" sz="1800" dirty="0">
+              <a:solidFill>
+                <a:srgbClr val="171717"/>
+              </a:solidFill>
+              <a:latin typeface="Segoe UI" panose="020B0502040204020203" pitchFamily="34" charset="0"/>
+            </a:endParaRPr>
+          </a:p>
+          <a:p>
+            <a:pPr marL="0" indent="0" algn="l">
+              <a:buNone/>
+            </a:pPr>
+            <a:endParaRPr lang="es-ES" sz="1800" dirty="0">
+              <a:solidFill>
+                <a:srgbClr val="171717"/>
+              </a:solidFill>
+              <a:latin typeface="Segoe UI" panose="020B0502040204020203" pitchFamily="34" charset="0"/>
+            </a:endParaRPr>
+          </a:p>
+          <a:p>
+            <a:pPr marL="0" indent="0" algn="l">
+              <a:buNone/>
+            </a:pPr>
+            <a:endParaRPr lang="es-ES" sz="1800" dirty="0">
+              <a:solidFill>
+                <a:srgbClr val="171717"/>
+              </a:solidFill>
+              <a:latin typeface="Segoe UI" panose="020B0502040204020203" pitchFamily="34" charset="0"/>
+            </a:endParaRPr>
+          </a:p>
+          <a:p>
+            <a:pPr marL="0" indent="0" algn="l">
+              <a:buNone/>
+            </a:pPr>
+            <a:r>
+              <a:rPr lang="es-ES" sz="1800" dirty="0">
+                <a:solidFill>
+                  <a:srgbClr val="171717"/>
+                </a:solidFill>
+                <a:latin typeface="Segoe UI" panose="020B0502040204020203" pitchFamily="34" charset="0"/>
+              </a:rPr>
+              <a:t>En tiempo de compilación, los recursos sin procesar se copian en el paquete de la aplicación.</a:t>
+            </a:r>
+          </a:p>
+        </p:txBody>
+      </p:sp>
+      <p:sp>
+        <p:nvSpPr>
+          <p:cNvPr id="7" name="TextBox 6">
+            <a:extLst>
+              <a:ext uri="{FF2B5EF4-FFF2-40B4-BE49-F238E27FC236}">
+                <a16:creationId xmlns:a16="http://schemas.microsoft.com/office/drawing/2014/main" id="{A800E9F6-9163-4634-B29E-B33120AE68D0}"/>
+              </a:ext>
+            </a:extLst>
+          </p:cNvPr>
+          <p:cNvSpPr txBox="1"/>
+          <p:nvPr/>
+        </p:nvSpPr>
+        <p:spPr>
+          <a:xfrm>
+            <a:off x="457200" y="3261673"/>
+            <a:ext cx="6537488" cy="369332"/>
+          </a:xfrm>
+          <a:prstGeom prst="rect">
+            <a:avLst/>
+          </a:prstGeom>
+          <a:noFill/>
+        </p:spPr>
+        <p:txBody>
+          <a:bodyPr wrap="square">
+            <a:spAutoFit/>
+          </a:bodyPr>
+          <a:lstStyle/>
+          <a:p>
+            <a:r>
+              <a:rPr lang="en-US" b="0" i="0" dirty="0">
+                <a:solidFill>
+                  <a:srgbClr val="0101FD"/>
+                </a:solidFill>
+                <a:effectLst/>
+                <a:latin typeface="SFMono-Regular"/>
+              </a:rPr>
+              <a:t>&lt;</a:t>
+            </a:r>
+            <a:r>
+              <a:rPr lang="en-US" b="0" i="0" dirty="0" err="1">
+                <a:solidFill>
+                  <a:srgbClr val="0101FD"/>
+                </a:solidFill>
+                <a:effectLst/>
+                <a:latin typeface="SFMono-Regular"/>
+              </a:rPr>
+              <a:t>MauiAsset</a:t>
+            </a:r>
+            <a:r>
+              <a:rPr lang="en-US" b="0" i="0" dirty="0">
+                <a:solidFill>
+                  <a:srgbClr val="0101FD"/>
+                </a:solidFill>
+                <a:effectLst/>
+                <a:latin typeface="SFMono-Regular"/>
+              </a:rPr>
+              <a:t> </a:t>
+            </a:r>
+            <a:r>
+              <a:rPr lang="en-US" b="0" i="0" dirty="0">
+                <a:solidFill>
+                  <a:srgbClr val="0451A5"/>
+                </a:solidFill>
+                <a:effectLst/>
+                <a:latin typeface="SFMono-Regular"/>
+              </a:rPr>
+              <a:t>Include</a:t>
+            </a:r>
+            <a:r>
+              <a:rPr lang="en-US" b="0" i="0" dirty="0">
+                <a:solidFill>
+                  <a:srgbClr val="0101FD"/>
+                </a:solidFill>
+                <a:effectLst/>
+                <a:latin typeface="SFMono-Regular"/>
+              </a:rPr>
+              <a:t>=</a:t>
+            </a:r>
+            <a:r>
+              <a:rPr lang="en-US" b="0" i="0" dirty="0">
+                <a:solidFill>
+                  <a:srgbClr val="A31515"/>
+                </a:solidFill>
+                <a:effectLst/>
+                <a:latin typeface="SFMono-Regular"/>
+              </a:rPr>
+              <a:t>"Resources\Raw\index.html"</a:t>
+            </a:r>
+            <a:r>
+              <a:rPr lang="en-US" b="0" i="0" dirty="0">
+                <a:solidFill>
+                  <a:srgbClr val="0101FD"/>
+                </a:solidFill>
+                <a:effectLst/>
+                <a:latin typeface="SFMono-Regular"/>
+              </a:rPr>
+              <a:t> /&gt;</a:t>
+            </a:r>
+            <a:endParaRPr lang="en-US" dirty="0"/>
+          </a:p>
+        </p:txBody>
+      </p:sp>
+    </p:spTree>
+    <p:extLst>
+      <p:ext uri="{BB962C8B-B14F-4D97-AF65-F5344CB8AC3E}">
+        <p14:creationId xmlns:p14="http://schemas.microsoft.com/office/powerpoint/2010/main" val="1656854905"/>
       </p:ext>
     </p:extLst>
   </p:cSld>

--- a/Bloque 3 - Creación de primera App/Taller12 - Gestión de Assets.pptx
+++ b/Bloque 3 - Creación de primera App/Taller12 - Gestión de Assets.pptx
@@ -3458,7 +3458,7 @@
           <a:p>
             <a:fld id="{A334C884-B1D7-A043-A4AA-521744755A4B}" type="datetimeFigureOut">
               <a:rPr lang="en-US" smtClean="0"/>
-              <a:t>5/15/2022</a:t>
+              <a:t>5/16/2022</a:t>
             </a:fld>
             <a:endParaRPr lang="en-US"/>
           </a:p>
@@ -3844,7 +3844,7 @@
           <a:p>
             <a:fld id="{E74353ED-ACB2-44BF-A903-985B0AF962B7}" type="datetime1">
               <a:rPr lang="en-US" smtClean="0"/>
-              <a:t>5/15/2022</a:t>
+              <a:t>5/16/2022</a:t>
             </a:fld>
             <a:endParaRPr lang="en-US" dirty="0"/>
           </a:p>
@@ -6566,7 +6566,7 @@
           <a:p>
             <a:fld id="{0A627400-D089-7447-864B-77479EBD4214}" type="datetimeFigureOut">
               <a:rPr lang="en-US" smtClean="0"/>
-              <a:t>5/15/2022</a:t>
+              <a:t>5/16/2022</a:t>
             </a:fld>
             <a:endParaRPr lang="en-US"/>
           </a:p>
@@ -6764,7 +6764,7 @@
           <a:p>
             <a:fld id="{0A627400-D089-7447-864B-77479EBD4214}" type="datetimeFigureOut">
               <a:rPr lang="en-US" smtClean="0"/>
-              <a:t>5/15/2022</a:t>
+              <a:t>5/16/2022</a:t>
             </a:fld>
             <a:endParaRPr lang="en-US"/>
           </a:p>
@@ -7039,7 +7039,7 @@
           <a:p>
             <a:fld id="{0A627400-D089-7447-864B-77479EBD4214}" type="datetimeFigureOut">
               <a:rPr lang="en-US" smtClean="0"/>
-              <a:t>5/15/2022</a:t>
+              <a:t>5/16/2022</a:t>
             </a:fld>
             <a:endParaRPr lang="en-US"/>
           </a:p>
@@ -7304,7 +7304,7 @@
           <a:p>
             <a:fld id="{0A627400-D089-7447-864B-77479EBD4214}" type="datetimeFigureOut">
               <a:rPr lang="en-US" smtClean="0"/>
-              <a:t>5/15/2022</a:t>
+              <a:t>5/16/2022</a:t>
             </a:fld>
             <a:endParaRPr lang="en-US"/>
           </a:p>
@@ -7916,7 +7916,7 @@
           <a:p>
             <a:fld id="{0A627400-D089-7447-864B-77479EBD4214}" type="datetimeFigureOut">
               <a:rPr lang="en-US" smtClean="0"/>
-              <a:t>5/15/2022</a:t>
+              <a:t>5/16/2022</a:t>
             </a:fld>
             <a:endParaRPr lang="en-US"/>
           </a:p>
@@ -8122,7 +8122,7 @@
           <a:p>
             <a:fld id="{0A627400-D089-7447-864B-77479EBD4214}" type="datetimeFigureOut">
               <a:rPr lang="en-US" smtClean="0"/>
-              <a:t>5/15/2022</a:t>
+              <a:t>5/16/2022</a:t>
             </a:fld>
             <a:endParaRPr lang="en-US"/>
           </a:p>
@@ -8264,7 +8264,7 @@
             <a:fld id="{0A627400-D089-7447-864B-77479EBD4214}" type="datetimeFigureOut">
               <a:rPr lang="en-US" smtClean="0"/>
               <a:pPr/>
-              <a:t>5/15/2022</a:t>
+              <a:t>5/16/2022</a:t>
             </a:fld>
             <a:endParaRPr lang="en-US"/>
           </a:p>
@@ -8428,7 +8428,7 @@
           <a:p>
             <a:fld id="{0A627400-D089-7447-864B-77479EBD4214}" type="datetimeFigureOut">
               <a:rPr lang="en-US" smtClean="0"/>
-              <a:t>5/15/2022</a:t>
+              <a:t>5/16/2022</a:t>
             </a:fld>
             <a:endParaRPr lang="en-US"/>
           </a:p>
@@ -8541,7 +8541,7 @@
           <a:p>
             <a:fld id="{0A627400-D089-7447-864B-77479EBD4214}" type="datetimeFigureOut">
               <a:rPr lang="en-US" smtClean="0"/>
-              <a:t>5/15/2022</a:t>
+              <a:t>5/16/2022</a:t>
             </a:fld>
             <a:endParaRPr lang="en-US"/>
           </a:p>
@@ -8852,7 +8852,7 @@
           <a:p>
             <a:fld id="{0A627400-D089-7447-864B-77479EBD4214}" type="datetimeFigureOut">
               <a:rPr lang="en-US" smtClean="0"/>
-              <a:t>5/15/2022</a:t>
+              <a:t>5/16/2022</a:t>
             </a:fld>
             <a:endParaRPr lang="en-US"/>
           </a:p>
@@ -9140,7 +9140,7 @@
           <a:p>
             <a:fld id="{0A627400-D089-7447-864B-77479EBD4214}" type="datetimeFigureOut">
               <a:rPr lang="en-US" smtClean="0"/>
-              <a:t>5/15/2022</a:t>
+              <a:t>5/16/2022</a:t>
             </a:fld>
             <a:endParaRPr lang="en-US"/>
           </a:p>
@@ -11392,7 +11392,7 @@
             <a:fld id="{0A627400-D089-7447-864B-77479EBD4214}" type="datetimeFigureOut">
               <a:rPr lang="en-US" smtClean="0"/>
               <a:pPr/>
-              <a:t>5/15/2022</a:t>
+              <a:t>5/16/2022</a:t>
             </a:fld>
             <a:endParaRPr lang="en-US"/>
           </a:p>
@@ -15239,7 +15239,7 @@
               <a:t> del proyecto y estableciendo la acción de compilación de la imagen en </a:t>
             </a:r>
             <a:r>
-              <a:rPr lang="es-ES" sz="1800" b="0" i="0" dirty="0" err="1">
+              <a:rPr lang="es-ES" sz="1800" b="1" i="0" dirty="0" err="1">
                 <a:solidFill>
                   <a:srgbClr val="171717"/>
                 </a:solidFill>
